--- a/results_w_CI_w_excl.pptx
+++ b/results_w_CI_w_excl.pptx
@@ -3525,7 +3525,7 @@
           <p:cNvPr id="2" name="Group 1">
             <a:extLst>
               <a:ext uri="{FF2B5EF4-FFF2-40B4-BE49-F238E27FC236}">
-                <a16:creationId xmlns:a16="http://schemas.microsoft.com/office/drawing/2014/main" xmlns="" id="{AFB5539E-9F87-4F16-BA84-99727D7DEDEC}"/>
+                <a16:creationId xmlns="" xmlns:a16="http://schemas.microsoft.com/office/drawing/2014/main" id="{AFB5539E-9F87-4F16-BA84-99727D7DEDEC}"/>
               </a:ext>
             </a:extLst>
           </p:cNvPr>
@@ -3928,7 +3928,7 @@
             <p:cNvPr id="96" name="TextBox 95">
               <a:extLst>
                 <a:ext uri="{FF2B5EF4-FFF2-40B4-BE49-F238E27FC236}">
-                  <a16:creationId xmlns:a16="http://schemas.microsoft.com/office/drawing/2014/main" xmlns="" id="{8D1A075D-964B-4005-9D84-409E89B43BA2}"/>
+                  <a16:creationId xmlns="" xmlns:a16="http://schemas.microsoft.com/office/drawing/2014/main" id="{8D1A075D-964B-4005-9D84-409E89B43BA2}"/>
                 </a:ext>
               </a:extLst>
             </p:cNvPr>
@@ -3972,7 +3972,7 @@
             <p:cNvPr id="123" name="TextBox 122">
               <a:extLst>
                 <a:ext uri="{FF2B5EF4-FFF2-40B4-BE49-F238E27FC236}">
-                  <a16:creationId xmlns:a16="http://schemas.microsoft.com/office/drawing/2014/main" xmlns="" id="{7FC13A6C-A90F-4710-A2D9-6C8D802FB483}"/>
+                  <a16:creationId xmlns="" xmlns:a16="http://schemas.microsoft.com/office/drawing/2014/main" id="{7FC13A6C-A90F-4710-A2D9-6C8D802FB483}"/>
                 </a:ext>
               </a:extLst>
             </p:cNvPr>
@@ -4016,7 +4016,7 @@
           <p:cNvPr id="25" name="Group 24">
             <a:extLst>
               <a:ext uri="{FF2B5EF4-FFF2-40B4-BE49-F238E27FC236}">
-                <a16:creationId xmlns:a16="http://schemas.microsoft.com/office/drawing/2014/main" xmlns="" id="{79BC88F8-8827-4E23-B62F-1D2FCA25A51C}"/>
+                <a16:creationId xmlns="" xmlns:a16="http://schemas.microsoft.com/office/drawing/2014/main" id="{79BC88F8-8827-4E23-B62F-1D2FCA25A51C}"/>
               </a:ext>
             </a:extLst>
           </p:cNvPr>
@@ -4036,7 +4036,7 @@
             <p:cNvPr id="30" name="Group 29">
               <a:extLst>
                 <a:ext uri="{FF2B5EF4-FFF2-40B4-BE49-F238E27FC236}">
-                  <a16:creationId xmlns:a16="http://schemas.microsoft.com/office/drawing/2014/main" xmlns="" id="{DFE08800-98D0-4D7B-9D2D-4A209B056808}"/>
+                  <a16:creationId xmlns="" xmlns:a16="http://schemas.microsoft.com/office/drawing/2014/main" id="{DFE08800-98D0-4D7B-9D2D-4A209B056808}"/>
                 </a:ext>
               </a:extLst>
             </p:cNvPr>
@@ -4056,7 +4056,7 @@
               <p:cNvPr id="32" name="Group 31">
                 <a:extLst>
                   <a:ext uri="{FF2B5EF4-FFF2-40B4-BE49-F238E27FC236}">
-                    <a16:creationId xmlns:a16="http://schemas.microsoft.com/office/drawing/2014/main" xmlns="" id="{AE71805E-9D2C-4B4A-893B-906D6EF27CB5}"/>
+                    <a16:creationId xmlns="" xmlns:a16="http://schemas.microsoft.com/office/drawing/2014/main" id="{AE71805E-9D2C-4B4A-893B-906D6EF27CB5}"/>
                   </a:ext>
                 </a:extLst>
               </p:cNvPr>
@@ -4076,7 +4076,7 @@
                 <p:cNvPr id="36" name="Oval 35">
                   <a:extLst>
                     <a:ext uri="{FF2B5EF4-FFF2-40B4-BE49-F238E27FC236}">
-                      <a16:creationId xmlns:a16="http://schemas.microsoft.com/office/drawing/2014/main" xmlns="" id="{4F8D708F-A651-4889-BE36-520D7985AA6F}"/>
+                      <a16:creationId xmlns="" xmlns:a16="http://schemas.microsoft.com/office/drawing/2014/main" id="{4F8D708F-A651-4889-BE36-520D7985AA6F}"/>
                     </a:ext>
                   </a:extLst>
                 </p:cNvPr>
@@ -4133,7 +4133,7 @@
                 <p:cNvPr id="37" name="Oval 36">
                   <a:extLst>
                     <a:ext uri="{FF2B5EF4-FFF2-40B4-BE49-F238E27FC236}">
-                      <a16:creationId xmlns:a16="http://schemas.microsoft.com/office/drawing/2014/main" xmlns="" id="{06B17F9C-980C-46E5-8382-B83E3A6D8661}"/>
+                      <a16:creationId xmlns="" xmlns:a16="http://schemas.microsoft.com/office/drawing/2014/main" id="{06B17F9C-980C-46E5-8382-B83E3A6D8661}"/>
                     </a:ext>
                   </a:extLst>
                 </p:cNvPr>
@@ -4190,7 +4190,7 @@
                 <p:cNvPr id="38" name="Oval 37">
                   <a:extLst>
                     <a:ext uri="{FF2B5EF4-FFF2-40B4-BE49-F238E27FC236}">
-                      <a16:creationId xmlns:a16="http://schemas.microsoft.com/office/drawing/2014/main" xmlns="" id="{E963169B-6C58-4DBA-BE20-C599E305B034}"/>
+                      <a16:creationId xmlns="" xmlns:a16="http://schemas.microsoft.com/office/drawing/2014/main" id="{E963169B-6C58-4DBA-BE20-C599E305B034}"/>
                     </a:ext>
                   </a:extLst>
                 </p:cNvPr>
@@ -4248,7 +4248,7 @@
                 <p:cNvPr id="39" name="Oval 38">
                   <a:extLst>
                     <a:ext uri="{FF2B5EF4-FFF2-40B4-BE49-F238E27FC236}">
-                      <a16:creationId xmlns:a16="http://schemas.microsoft.com/office/drawing/2014/main" xmlns="" id="{5A87E780-B71E-4FBF-9498-7D567A6D53A7}"/>
+                      <a16:creationId xmlns="" xmlns:a16="http://schemas.microsoft.com/office/drawing/2014/main" id="{5A87E780-B71E-4FBF-9498-7D567A6D53A7}"/>
                     </a:ext>
                   </a:extLst>
                 </p:cNvPr>
@@ -4310,7 +4310,7 @@
               <p:cNvPr id="33" name="TextBox 32">
                 <a:extLst>
                   <a:ext uri="{FF2B5EF4-FFF2-40B4-BE49-F238E27FC236}">
-                    <a16:creationId xmlns:a16="http://schemas.microsoft.com/office/drawing/2014/main" xmlns="" id="{EA708170-321E-46CF-8EA1-07CCF97AE2E1}"/>
+                    <a16:creationId xmlns="" xmlns:a16="http://schemas.microsoft.com/office/drawing/2014/main" id="{EA708170-321E-46CF-8EA1-07CCF97AE2E1}"/>
                   </a:ext>
                 </a:extLst>
               </p:cNvPr>
@@ -4354,7 +4354,7 @@
               <p:cNvPr id="34" name="TextBox 33">
                 <a:extLst>
                   <a:ext uri="{FF2B5EF4-FFF2-40B4-BE49-F238E27FC236}">
-                    <a16:creationId xmlns:a16="http://schemas.microsoft.com/office/drawing/2014/main" xmlns="" id="{6DA641AC-1D5E-4808-B466-4A26CFB88262}"/>
+                    <a16:creationId xmlns="" xmlns:a16="http://schemas.microsoft.com/office/drawing/2014/main" id="{6DA641AC-1D5E-4808-B466-4A26CFB88262}"/>
                   </a:ext>
                 </a:extLst>
               </p:cNvPr>
@@ -4398,7 +4398,7 @@
               <p:cNvPr id="35" name="TextBox 34">
                 <a:extLst>
                   <a:ext uri="{FF2B5EF4-FFF2-40B4-BE49-F238E27FC236}">
-                    <a16:creationId xmlns:a16="http://schemas.microsoft.com/office/drawing/2014/main" xmlns="" id="{EE2B61B5-7684-49C0-9906-EB0117114C82}"/>
+                    <a16:creationId xmlns="" xmlns:a16="http://schemas.microsoft.com/office/drawing/2014/main" id="{EE2B61B5-7684-49C0-9906-EB0117114C82}"/>
                   </a:ext>
                 </a:extLst>
               </p:cNvPr>
@@ -4439,7 +4439,7 @@
             <p:cNvPr id="31" name="TextBox 30">
               <a:extLst>
                 <a:ext uri="{FF2B5EF4-FFF2-40B4-BE49-F238E27FC236}">
-                  <a16:creationId xmlns:a16="http://schemas.microsoft.com/office/drawing/2014/main" xmlns="" id="{C75CBEE4-98E1-481B-A2FB-D30736FCEA45}"/>
+                  <a16:creationId xmlns="" xmlns:a16="http://schemas.microsoft.com/office/drawing/2014/main" id="{C75CBEE4-98E1-481B-A2FB-D30736FCEA45}"/>
                 </a:ext>
               </a:extLst>
             </p:cNvPr>
@@ -4484,7 +4484,7 @@
           <p:cNvPr id="40" name="Group 39">
             <a:extLst>
               <a:ext uri="{FF2B5EF4-FFF2-40B4-BE49-F238E27FC236}">
-                <a16:creationId xmlns:a16="http://schemas.microsoft.com/office/drawing/2014/main" xmlns="" id="{0C264D77-77ED-4C50-9078-D9588FCAE302}"/>
+                <a16:creationId xmlns="" xmlns:a16="http://schemas.microsoft.com/office/drawing/2014/main" id="{0C264D77-77ED-4C50-9078-D9588FCAE302}"/>
               </a:ext>
             </a:extLst>
           </p:cNvPr>
@@ -4504,7 +4504,7 @@
             <p:cNvPr id="41" name="Group 40">
               <a:extLst>
                 <a:ext uri="{FF2B5EF4-FFF2-40B4-BE49-F238E27FC236}">
-                  <a16:creationId xmlns:a16="http://schemas.microsoft.com/office/drawing/2014/main" xmlns="" id="{B4C4485E-0D59-4AB0-B0A4-74A1DD1834E6}"/>
+                  <a16:creationId xmlns="" xmlns:a16="http://schemas.microsoft.com/office/drawing/2014/main" id="{B4C4485E-0D59-4AB0-B0A4-74A1DD1834E6}"/>
                 </a:ext>
               </a:extLst>
             </p:cNvPr>
@@ -4524,7 +4524,7 @@
               <p:cNvPr id="43" name="Group 42">
                 <a:extLst>
                   <a:ext uri="{FF2B5EF4-FFF2-40B4-BE49-F238E27FC236}">
-                    <a16:creationId xmlns:a16="http://schemas.microsoft.com/office/drawing/2014/main" xmlns="" id="{72BDA222-9848-4E26-BEE2-6574659C2580}"/>
+                    <a16:creationId xmlns="" xmlns:a16="http://schemas.microsoft.com/office/drawing/2014/main" id="{72BDA222-9848-4E26-BEE2-6574659C2580}"/>
                   </a:ext>
                 </a:extLst>
               </p:cNvPr>
@@ -4544,7 +4544,7 @@
                 <p:cNvPr id="45" name="Group 44">
                   <a:extLst>
                     <a:ext uri="{FF2B5EF4-FFF2-40B4-BE49-F238E27FC236}">
-                      <a16:creationId xmlns:a16="http://schemas.microsoft.com/office/drawing/2014/main" xmlns="" id="{D903E7EA-24E1-4D93-914D-A68B039D5F3D}"/>
+                      <a16:creationId xmlns="" xmlns:a16="http://schemas.microsoft.com/office/drawing/2014/main" id="{D903E7EA-24E1-4D93-914D-A68B039D5F3D}"/>
                     </a:ext>
                   </a:extLst>
                 </p:cNvPr>
@@ -4564,7 +4564,7 @@
                   <p:cNvPr id="52" name="Oval 51">
                     <a:extLst>
                       <a:ext uri="{FF2B5EF4-FFF2-40B4-BE49-F238E27FC236}">
-                        <a16:creationId xmlns:a16="http://schemas.microsoft.com/office/drawing/2014/main" xmlns="" id="{C2F43FC0-C549-4856-8921-A7E64B0F39C5}"/>
+                        <a16:creationId xmlns="" xmlns:a16="http://schemas.microsoft.com/office/drawing/2014/main" id="{C2F43FC0-C549-4856-8921-A7E64B0F39C5}"/>
                       </a:ext>
                     </a:extLst>
                   </p:cNvPr>
@@ -4621,7 +4621,7 @@
                   <p:cNvPr id="54" name="Oval 53">
                     <a:extLst>
                       <a:ext uri="{FF2B5EF4-FFF2-40B4-BE49-F238E27FC236}">
-                        <a16:creationId xmlns:a16="http://schemas.microsoft.com/office/drawing/2014/main" xmlns="" id="{51D6D3D3-8047-4691-9EA0-34F877FC6C15}"/>
+                        <a16:creationId xmlns="" xmlns:a16="http://schemas.microsoft.com/office/drawing/2014/main" id="{51D6D3D3-8047-4691-9EA0-34F877FC6C15}"/>
                       </a:ext>
                     </a:extLst>
                   </p:cNvPr>
@@ -4678,7 +4678,7 @@
                   <p:cNvPr id="55" name="Oval 54">
                     <a:extLst>
                       <a:ext uri="{FF2B5EF4-FFF2-40B4-BE49-F238E27FC236}">
-                        <a16:creationId xmlns:a16="http://schemas.microsoft.com/office/drawing/2014/main" xmlns="" id="{49301636-2137-4DA6-97FA-F12DB9822206}"/>
+                        <a16:creationId xmlns="" xmlns:a16="http://schemas.microsoft.com/office/drawing/2014/main" id="{49301636-2137-4DA6-97FA-F12DB9822206}"/>
                       </a:ext>
                     </a:extLst>
                   </p:cNvPr>
@@ -4736,7 +4736,7 @@
                   <p:cNvPr id="56" name="Oval 55">
                     <a:extLst>
                       <a:ext uri="{FF2B5EF4-FFF2-40B4-BE49-F238E27FC236}">
-                        <a16:creationId xmlns:a16="http://schemas.microsoft.com/office/drawing/2014/main" xmlns="" id="{7A908F5C-AB6F-423E-B6A4-B701D6947F28}"/>
+                        <a16:creationId xmlns="" xmlns:a16="http://schemas.microsoft.com/office/drawing/2014/main" id="{7A908F5C-AB6F-423E-B6A4-B701D6947F28}"/>
                       </a:ext>
                     </a:extLst>
                   </p:cNvPr>
@@ -4798,7 +4798,7 @@
                 <p:cNvPr id="46" name="TextBox 45">
                   <a:extLst>
                     <a:ext uri="{FF2B5EF4-FFF2-40B4-BE49-F238E27FC236}">
-                      <a16:creationId xmlns:a16="http://schemas.microsoft.com/office/drawing/2014/main" xmlns="" id="{C95ECD21-DB51-48EC-AE7B-C786BD07934A}"/>
+                      <a16:creationId xmlns="" xmlns:a16="http://schemas.microsoft.com/office/drawing/2014/main" id="{C95ECD21-DB51-48EC-AE7B-C786BD07934A}"/>
                     </a:ext>
                   </a:extLst>
                 </p:cNvPr>
@@ -4838,7 +4838,7 @@
                 <p:cNvPr id="47" name="TextBox 46">
                   <a:extLst>
                     <a:ext uri="{FF2B5EF4-FFF2-40B4-BE49-F238E27FC236}">
-                      <a16:creationId xmlns:a16="http://schemas.microsoft.com/office/drawing/2014/main" xmlns="" id="{E5B5A626-B60C-4ABF-BAC2-E00677A5E0A5}"/>
+                      <a16:creationId xmlns="" xmlns:a16="http://schemas.microsoft.com/office/drawing/2014/main" id="{E5B5A626-B60C-4ABF-BAC2-E00677A5E0A5}"/>
                     </a:ext>
                   </a:extLst>
                 </p:cNvPr>
@@ -4883,7 +4883,7 @@
               <p:cNvPr id="44" name="TextBox 43">
                 <a:extLst>
                   <a:ext uri="{FF2B5EF4-FFF2-40B4-BE49-F238E27FC236}">
-                    <a16:creationId xmlns:a16="http://schemas.microsoft.com/office/drawing/2014/main" xmlns="" id="{B0C7B0D5-BCE0-4101-84A1-DC4A0D11F928}"/>
+                    <a16:creationId xmlns="" xmlns:a16="http://schemas.microsoft.com/office/drawing/2014/main" id="{B0C7B0D5-BCE0-4101-84A1-DC4A0D11F928}"/>
                   </a:ext>
                 </a:extLst>
               </p:cNvPr>
@@ -4924,7 +4924,7 @@
             <p:cNvPr id="42" name="TextBox 41">
               <a:extLst>
                 <a:ext uri="{FF2B5EF4-FFF2-40B4-BE49-F238E27FC236}">
-                  <a16:creationId xmlns:a16="http://schemas.microsoft.com/office/drawing/2014/main" xmlns="" id="{2C986E37-CCFD-44EC-A0A3-2B0105C1883E}"/>
+                  <a16:creationId xmlns="" xmlns:a16="http://schemas.microsoft.com/office/drawing/2014/main" id="{2C986E37-CCFD-44EC-A0A3-2B0105C1883E}"/>
                 </a:ext>
               </a:extLst>
             </p:cNvPr>
@@ -4969,7 +4969,7 @@
           <p:cNvPr id="57" name="Group 56">
             <a:extLst>
               <a:ext uri="{FF2B5EF4-FFF2-40B4-BE49-F238E27FC236}">
-                <a16:creationId xmlns:a16="http://schemas.microsoft.com/office/drawing/2014/main" xmlns="" id="{6172E669-0C84-480F-B4D0-37F8C37E17B3}"/>
+                <a16:creationId xmlns="" xmlns:a16="http://schemas.microsoft.com/office/drawing/2014/main" id="{6172E669-0C84-480F-B4D0-37F8C37E17B3}"/>
               </a:ext>
             </a:extLst>
           </p:cNvPr>
@@ -4989,7 +4989,7 @@
             <p:cNvPr id="58" name="Group 57">
               <a:extLst>
                 <a:ext uri="{FF2B5EF4-FFF2-40B4-BE49-F238E27FC236}">
-                  <a16:creationId xmlns:a16="http://schemas.microsoft.com/office/drawing/2014/main" xmlns="" id="{D7958CB9-7843-462F-BA3B-5D623FA96BAC}"/>
+                  <a16:creationId xmlns="" xmlns:a16="http://schemas.microsoft.com/office/drawing/2014/main" id="{D7958CB9-7843-462F-BA3B-5D623FA96BAC}"/>
                 </a:ext>
               </a:extLst>
             </p:cNvPr>
@@ -5009,7 +5009,7 @@
               <p:cNvPr id="60" name="Group 59">
                 <a:extLst>
                   <a:ext uri="{FF2B5EF4-FFF2-40B4-BE49-F238E27FC236}">
-                    <a16:creationId xmlns:a16="http://schemas.microsoft.com/office/drawing/2014/main" xmlns="" id="{1589486B-CC81-4834-BCE0-3E29F0CFCAC2}"/>
+                    <a16:creationId xmlns="" xmlns:a16="http://schemas.microsoft.com/office/drawing/2014/main" id="{1589486B-CC81-4834-BCE0-3E29F0CFCAC2}"/>
                   </a:ext>
                 </a:extLst>
               </p:cNvPr>
@@ -5029,7 +5029,7 @@
                 <p:cNvPr id="62" name="Group 61">
                   <a:extLst>
                     <a:ext uri="{FF2B5EF4-FFF2-40B4-BE49-F238E27FC236}">
-                      <a16:creationId xmlns:a16="http://schemas.microsoft.com/office/drawing/2014/main" xmlns="" id="{024EDD71-2465-47E5-A6AC-2C9C6EAB24EB}"/>
+                      <a16:creationId xmlns="" xmlns:a16="http://schemas.microsoft.com/office/drawing/2014/main" id="{024EDD71-2465-47E5-A6AC-2C9C6EAB24EB}"/>
                     </a:ext>
                   </a:extLst>
                 </p:cNvPr>
@@ -5049,7 +5049,7 @@
                   <p:cNvPr id="65" name="Oval 64">
                     <a:extLst>
                       <a:ext uri="{FF2B5EF4-FFF2-40B4-BE49-F238E27FC236}">
-                        <a16:creationId xmlns:a16="http://schemas.microsoft.com/office/drawing/2014/main" xmlns="" id="{69680FB8-66D2-4D99-BAB3-62BCD2D0BFF7}"/>
+                        <a16:creationId xmlns="" xmlns:a16="http://schemas.microsoft.com/office/drawing/2014/main" id="{69680FB8-66D2-4D99-BAB3-62BCD2D0BFF7}"/>
                       </a:ext>
                     </a:extLst>
                   </p:cNvPr>
@@ -5106,7 +5106,7 @@
                   <p:cNvPr id="66" name="Oval 65">
                     <a:extLst>
                       <a:ext uri="{FF2B5EF4-FFF2-40B4-BE49-F238E27FC236}">
-                        <a16:creationId xmlns:a16="http://schemas.microsoft.com/office/drawing/2014/main" xmlns="" id="{E598F5E5-E123-4599-AC9D-9E662BC4BD20}"/>
+                        <a16:creationId xmlns="" xmlns:a16="http://schemas.microsoft.com/office/drawing/2014/main" id="{E598F5E5-E123-4599-AC9D-9E662BC4BD20}"/>
                       </a:ext>
                     </a:extLst>
                   </p:cNvPr>
@@ -5163,7 +5163,7 @@
                   <p:cNvPr id="67" name="Oval 66">
                     <a:extLst>
                       <a:ext uri="{FF2B5EF4-FFF2-40B4-BE49-F238E27FC236}">
-                        <a16:creationId xmlns:a16="http://schemas.microsoft.com/office/drawing/2014/main" xmlns="" id="{2122066F-BB99-4D98-8FA1-5A7509C4DE05}"/>
+                        <a16:creationId xmlns="" xmlns:a16="http://schemas.microsoft.com/office/drawing/2014/main" id="{2122066F-BB99-4D98-8FA1-5A7509C4DE05}"/>
                       </a:ext>
                     </a:extLst>
                   </p:cNvPr>
@@ -5221,7 +5221,7 @@
                   <p:cNvPr id="68" name="Oval 67">
                     <a:extLst>
                       <a:ext uri="{FF2B5EF4-FFF2-40B4-BE49-F238E27FC236}">
-                        <a16:creationId xmlns:a16="http://schemas.microsoft.com/office/drawing/2014/main" xmlns="" id="{28FF4018-9841-4E38-AD2A-1E2017A1F6EE}"/>
+                        <a16:creationId xmlns="" xmlns:a16="http://schemas.microsoft.com/office/drawing/2014/main" id="{28FF4018-9841-4E38-AD2A-1E2017A1F6EE}"/>
                       </a:ext>
                     </a:extLst>
                   </p:cNvPr>
@@ -5283,7 +5283,7 @@
                 <p:cNvPr id="63" name="TextBox 62">
                   <a:extLst>
                     <a:ext uri="{FF2B5EF4-FFF2-40B4-BE49-F238E27FC236}">
-                      <a16:creationId xmlns:a16="http://schemas.microsoft.com/office/drawing/2014/main" xmlns="" id="{3C65F029-D30A-409D-8DE0-2AEC7FABCD39}"/>
+                      <a16:creationId xmlns="" xmlns:a16="http://schemas.microsoft.com/office/drawing/2014/main" id="{3C65F029-D30A-409D-8DE0-2AEC7FABCD39}"/>
                     </a:ext>
                   </a:extLst>
                 </p:cNvPr>
@@ -5323,7 +5323,7 @@
                 <p:cNvPr id="64" name="TextBox 63">
                   <a:extLst>
                     <a:ext uri="{FF2B5EF4-FFF2-40B4-BE49-F238E27FC236}">
-                      <a16:creationId xmlns:a16="http://schemas.microsoft.com/office/drawing/2014/main" xmlns="" id="{19491279-FDE4-4177-ABC7-4FE6828EC23F}"/>
+                      <a16:creationId xmlns="" xmlns:a16="http://schemas.microsoft.com/office/drawing/2014/main" id="{19491279-FDE4-4177-ABC7-4FE6828EC23F}"/>
                     </a:ext>
                   </a:extLst>
                 </p:cNvPr>
@@ -5364,7 +5364,7 @@
               <p:cNvPr id="61" name="TextBox 60">
                 <a:extLst>
                   <a:ext uri="{FF2B5EF4-FFF2-40B4-BE49-F238E27FC236}">
-                    <a16:creationId xmlns:a16="http://schemas.microsoft.com/office/drawing/2014/main" xmlns="" id="{DFA863E0-51CC-4A85-B421-8753FDA2BED6}"/>
+                    <a16:creationId xmlns="" xmlns:a16="http://schemas.microsoft.com/office/drawing/2014/main" id="{DFA863E0-51CC-4A85-B421-8753FDA2BED6}"/>
                   </a:ext>
                 </a:extLst>
               </p:cNvPr>
@@ -5405,7 +5405,7 @@
             <p:cNvPr id="59" name="TextBox 58">
               <a:extLst>
                 <a:ext uri="{FF2B5EF4-FFF2-40B4-BE49-F238E27FC236}">
-                  <a16:creationId xmlns:a16="http://schemas.microsoft.com/office/drawing/2014/main" xmlns="" id="{DD09A2CC-70F9-46EB-96F3-23E5D146D6DB}"/>
+                  <a16:creationId xmlns="" xmlns:a16="http://schemas.microsoft.com/office/drawing/2014/main" id="{DD09A2CC-70F9-46EB-96F3-23E5D146D6DB}"/>
                 </a:ext>
               </a:extLst>
             </p:cNvPr>
@@ -5450,7 +5450,7 @@
           <p:cNvPr id="69" name="Group 68">
             <a:extLst>
               <a:ext uri="{FF2B5EF4-FFF2-40B4-BE49-F238E27FC236}">
-                <a16:creationId xmlns:a16="http://schemas.microsoft.com/office/drawing/2014/main" xmlns="" id="{63A5CEB2-DC7C-41BA-B258-91F0D02711AA}"/>
+                <a16:creationId xmlns="" xmlns:a16="http://schemas.microsoft.com/office/drawing/2014/main" id="{63A5CEB2-DC7C-41BA-B258-91F0D02711AA}"/>
               </a:ext>
             </a:extLst>
           </p:cNvPr>
@@ -5470,7 +5470,7 @@
             <p:cNvPr id="70" name="Group 69">
               <a:extLst>
                 <a:ext uri="{FF2B5EF4-FFF2-40B4-BE49-F238E27FC236}">
-                  <a16:creationId xmlns:a16="http://schemas.microsoft.com/office/drawing/2014/main" xmlns="" id="{5BB46108-4114-42A0-AA0E-B7ED860FEEA8}"/>
+                  <a16:creationId xmlns="" xmlns:a16="http://schemas.microsoft.com/office/drawing/2014/main" id="{5BB46108-4114-42A0-AA0E-B7ED860FEEA8}"/>
                 </a:ext>
               </a:extLst>
             </p:cNvPr>
@@ -5490,7 +5490,7 @@
               <p:cNvPr id="72" name="Group 71">
                 <a:extLst>
                   <a:ext uri="{FF2B5EF4-FFF2-40B4-BE49-F238E27FC236}">
-                    <a16:creationId xmlns:a16="http://schemas.microsoft.com/office/drawing/2014/main" xmlns="" id="{9E8C7DF2-A39A-42E2-8254-137400028F4D}"/>
+                    <a16:creationId xmlns="" xmlns:a16="http://schemas.microsoft.com/office/drawing/2014/main" id="{9E8C7DF2-A39A-42E2-8254-137400028F4D}"/>
                   </a:ext>
                 </a:extLst>
               </p:cNvPr>
@@ -5510,7 +5510,7 @@
                 <p:cNvPr id="74" name="Group 73">
                   <a:extLst>
                     <a:ext uri="{FF2B5EF4-FFF2-40B4-BE49-F238E27FC236}">
-                      <a16:creationId xmlns:a16="http://schemas.microsoft.com/office/drawing/2014/main" xmlns="" id="{C756AE42-2360-4676-92F7-D1D5FC5062E4}"/>
+                      <a16:creationId xmlns="" xmlns:a16="http://schemas.microsoft.com/office/drawing/2014/main" id="{C756AE42-2360-4676-92F7-D1D5FC5062E4}"/>
                     </a:ext>
                   </a:extLst>
                 </p:cNvPr>
@@ -5530,7 +5530,7 @@
                   <p:cNvPr id="77" name="Oval 76">
                     <a:extLst>
                       <a:ext uri="{FF2B5EF4-FFF2-40B4-BE49-F238E27FC236}">
-                        <a16:creationId xmlns:a16="http://schemas.microsoft.com/office/drawing/2014/main" xmlns="" id="{68A84D6A-9A25-46B5-ACE6-0F0FFCE3529E}"/>
+                        <a16:creationId xmlns="" xmlns:a16="http://schemas.microsoft.com/office/drawing/2014/main" id="{68A84D6A-9A25-46B5-ACE6-0F0FFCE3529E}"/>
                       </a:ext>
                     </a:extLst>
                   </p:cNvPr>
@@ -5587,7 +5587,7 @@
                   <p:cNvPr id="78" name="Oval 77">
                     <a:extLst>
                       <a:ext uri="{FF2B5EF4-FFF2-40B4-BE49-F238E27FC236}">
-                        <a16:creationId xmlns:a16="http://schemas.microsoft.com/office/drawing/2014/main" xmlns="" id="{559632C6-330D-41FB-823F-AB43D839BD3F}"/>
+                        <a16:creationId xmlns="" xmlns:a16="http://schemas.microsoft.com/office/drawing/2014/main" id="{559632C6-330D-41FB-823F-AB43D839BD3F}"/>
                       </a:ext>
                     </a:extLst>
                   </p:cNvPr>
@@ -5644,7 +5644,7 @@
                   <p:cNvPr id="79" name="Oval 78">
                     <a:extLst>
                       <a:ext uri="{FF2B5EF4-FFF2-40B4-BE49-F238E27FC236}">
-                        <a16:creationId xmlns:a16="http://schemas.microsoft.com/office/drawing/2014/main" xmlns="" id="{A7E3E3EF-43B0-4B4D-BE5F-77EE7B997F02}"/>
+                        <a16:creationId xmlns="" xmlns:a16="http://schemas.microsoft.com/office/drawing/2014/main" id="{A7E3E3EF-43B0-4B4D-BE5F-77EE7B997F02}"/>
                       </a:ext>
                     </a:extLst>
                   </p:cNvPr>
@@ -5702,7 +5702,7 @@
                   <p:cNvPr id="80" name="Oval 79">
                     <a:extLst>
                       <a:ext uri="{FF2B5EF4-FFF2-40B4-BE49-F238E27FC236}">
-                        <a16:creationId xmlns:a16="http://schemas.microsoft.com/office/drawing/2014/main" xmlns="" id="{76135C05-B2B3-4BFD-86D2-6F1F849E25DD}"/>
+                        <a16:creationId xmlns="" xmlns:a16="http://schemas.microsoft.com/office/drawing/2014/main" id="{76135C05-B2B3-4BFD-86D2-6F1F849E25DD}"/>
                       </a:ext>
                     </a:extLst>
                   </p:cNvPr>
@@ -5764,7 +5764,7 @@
                 <p:cNvPr id="75" name="TextBox 74">
                   <a:extLst>
                     <a:ext uri="{FF2B5EF4-FFF2-40B4-BE49-F238E27FC236}">
-                      <a16:creationId xmlns:a16="http://schemas.microsoft.com/office/drawing/2014/main" xmlns="" id="{1C1547DF-5385-4AAE-AF5D-720A02624C9B}"/>
+                      <a16:creationId xmlns="" xmlns:a16="http://schemas.microsoft.com/office/drawing/2014/main" id="{1C1547DF-5385-4AAE-AF5D-720A02624C9B}"/>
                     </a:ext>
                   </a:extLst>
                 </p:cNvPr>
@@ -5804,7 +5804,7 @@
                 <p:cNvPr id="76" name="TextBox 75">
                   <a:extLst>
                     <a:ext uri="{FF2B5EF4-FFF2-40B4-BE49-F238E27FC236}">
-                      <a16:creationId xmlns:a16="http://schemas.microsoft.com/office/drawing/2014/main" xmlns="" id="{A36D01E8-18DC-4975-B808-15A72D8A2681}"/>
+                      <a16:creationId xmlns="" xmlns:a16="http://schemas.microsoft.com/office/drawing/2014/main" id="{A36D01E8-18DC-4975-B808-15A72D8A2681}"/>
                     </a:ext>
                   </a:extLst>
                 </p:cNvPr>
@@ -5845,7 +5845,7 @@
               <p:cNvPr id="73" name="TextBox 72">
                 <a:extLst>
                   <a:ext uri="{FF2B5EF4-FFF2-40B4-BE49-F238E27FC236}">
-                    <a16:creationId xmlns:a16="http://schemas.microsoft.com/office/drawing/2014/main" xmlns="" id="{00B5F9ED-AECA-4891-9995-86230A56B813}"/>
+                    <a16:creationId xmlns="" xmlns:a16="http://schemas.microsoft.com/office/drawing/2014/main" id="{00B5F9ED-AECA-4891-9995-86230A56B813}"/>
                   </a:ext>
                 </a:extLst>
               </p:cNvPr>
@@ -5885,7 +5885,7 @@
             <p:cNvPr id="71" name="TextBox 70">
               <a:extLst>
                 <a:ext uri="{FF2B5EF4-FFF2-40B4-BE49-F238E27FC236}">
-                  <a16:creationId xmlns:a16="http://schemas.microsoft.com/office/drawing/2014/main" xmlns="" id="{D09EF65C-57D9-4BBE-8E46-F76D7392B51B}"/>
+                  <a16:creationId xmlns="" xmlns:a16="http://schemas.microsoft.com/office/drawing/2014/main" id="{D09EF65C-57D9-4BBE-8E46-F76D7392B51B}"/>
                 </a:ext>
               </a:extLst>
             </p:cNvPr>
@@ -5930,7 +5930,7 @@
           <p:cNvPr id="81" name="Group 80">
             <a:extLst>
               <a:ext uri="{FF2B5EF4-FFF2-40B4-BE49-F238E27FC236}">
-                <a16:creationId xmlns:a16="http://schemas.microsoft.com/office/drawing/2014/main" xmlns="" id="{2A04061C-4A9D-4367-A463-1D80B0E5FA86}"/>
+                <a16:creationId xmlns="" xmlns:a16="http://schemas.microsoft.com/office/drawing/2014/main" id="{2A04061C-4A9D-4367-A463-1D80B0E5FA86}"/>
               </a:ext>
             </a:extLst>
           </p:cNvPr>
@@ -5950,7 +5950,7 @@
             <p:cNvPr id="82" name="Group 81">
               <a:extLst>
                 <a:ext uri="{FF2B5EF4-FFF2-40B4-BE49-F238E27FC236}">
-                  <a16:creationId xmlns:a16="http://schemas.microsoft.com/office/drawing/2014/main" xmlns="" id="{45235B47-2D23-40AB-930F-A57AD944434E}"/>
+                  <a16:creationId xmlns="" xmlns:a16="http://schemas.microsoft.com/office/drawing/2014/main" id="{45235B47-2D23-40AB-930F-A57AD944434E}"/>
                 </a:ext>
               </a:extLst>
             </p:cNvPr>
@@ -5970,7 +5970,7 @@
               <p:cNvPr id="84" name="Group 83">
                 <a:extLst>
                   <a:ext uri="{FF2B5EF4-FFF2-40B4-BE49-F238E27FC236}">
-                    <a16:creationId xmlns:a16="http://schemas.microsoft.com/office/drawing/2014/main" xmlns="" id="{813CE9B1-FE5C-4148-97F5-2C31F79DB8CC}"/>
+                    <a16:creationId xmlns="" xmlns:a16="http://schemas.microsoft.com/office/drawing/2014/main" id="{813CE9B1-FE5C-4148-97F5-2C31F79DB8CC}"/>
                   </a:ext>
                 </a:extLst>
               </p:cNvPr>
@@ -5990,7 +5990,7 @@
                 <p:cNvPr id="86" name="Group 85">
                   <a:extLst>
                     <a:ext uri="{FF2B5EF4-FFF2-40B4-BE49-F238E27FC236}">
-                      <a16:creationId xmlns:a16="http://schemas.microsoft.com/office/drawing/2014/main" xmlns="" id="{CF1BDC8A-BAB3-4522-9F97-33C0FEF3C393}"/>
+                      <a16:creationId xmlns="" xmlns:a16="http://schemas.microsoft.com/office/drawing/2014/main" id="{CF1BDC8A-BAB3-4522-9F97-33C0FEF3C393}"/>
                     </a:ext>
                   </a:extLst>
                 </p:cNvPr>
@@ -6010,7 +6010,7 @@
                   <p:cNvPr id="88" name="Group 87">
                     <a:extLst>
                       <a:ext uri="{FF2B5EF4-FFF2-40B4-BE49-F238E27FC236}">
-                        <a16:creationId xmlns:a16="http://schemas.microsoft.com/office/drawing/2014/main" xmlns="" id="{B06A5FD4-698F-42BF-BAD1-F3A1FD142E38}"/>
+                        <a16:creationId xmlns="" xmlns:a16="http://schemas.microsoft.com/office/drawing/2014/main" id="{B06A5FD4-698F-42BF-BAD1-F3A1FD142E38}"/>
                       </a:ext>
                     </a:extLst>
                   </p:cNvPr>
@@ -6030,7 +6030,7 @@
                     <p:cNvPr id="92" name="Oval 91">
                       <a:extLst>
                         <a:ext uri="{FF2B5EF4-FFF2-40B4-BE49-F238E27FC236}">
-                          <a16:creationId xmlns:a16="http://schemas.microsoft.com/office/drawing/2014/main" xmlns="" id="{6FB8DF73-690F-48CC-9E6B-5C6C58035808}"/>
+                          <a16:creationId xmlns="" xmlns:a16="http://schemas.microsoft.com/office/drawing/2014/main" id="{6FB8DF73-690F-48CC-9E6B-5C6C58035808}"/>
                         </a:ext>
                       </a:extLst>
                     </p:cNvPr>
@@ -6087,7 +6087,7 @@
                     <p:cNvPr id="93" name="Oval 92">
                       <a:extLst>
                         <a:ext uri="{FF2B5EF4-FFF2-40B4-BE49-F238E27FC236}">
-                          <a16:creationId xmlns:a16="http://schemas.microsoft.com/office/drawing/2014/main" xmlns="" id="{8B9A1E3F-43ED-4A11-8278-6F517381E215}"/>
+                          <a16:creationId xmlns="" xmlns:a16="http://schemas.microsoft.com/office/drawing/2014/main" id="{8B9A1E3F-43ED-4A11-8278-6F517381E215}"/>
                         </a:ext>
                       </a:extLst>
                     </p:cNvPr>
@@ -6144,7 +6144,7 @@
                     <p:cNvPr id="94" name="Oval 93">
                       <a:extLst>
                         <a:ext uri="{FF2B5EF4-FFF2-40B4-BE49-F238E27FC236}">
-                          <a16:creationId xmlns:a16="http://schemas.microsoft.com/office/drawing/2014/main" xmlns="" id="{6C5F675E-E9ED-4257-A4B1-6967ACFAEEBD}"/>
+                          <a16:creationId xmlns="" xmlns:a16="http://schemas.microsoft.com/office/drawing/2014/main" id="{6C5F675E-E9ED-4257-A4B1-6967ACFAEEBD}"/>
                         </a:ext>
                       </a:extLst>
                     </p:cNvPr>
@@ -6202,7 +6202,7 @@
                     <p:cNvPr id="95" name="Oval 94">
                       <a:extLst>
                         <a:ext uri="{FF2B5EF4-FFF2-40B4-BE49-F238E27FC236}">
-                          <a16:creationId xmlns:a16="http://schemas.microsoft.com/office/drawing/2014/main" xmlns="" id="{8B0019AD-26DD-4D55-B6F3-28C6FA61B22A}"/>
+                          <a16:creationId xmlns="" xmlns:a16="http://schemas.microsoft.com/office/drawing/2014/main" id="{8B0019AD-26DD-4D55-B6F3-28C6FA61B22A}"/>
                         </a:ext>
                       </a:extLst>
                     </p:cNvPr>
@@ -6264,7 +6264,7 @@
                   <p:cNvPr id="89" name="TextBox 88">
                     <a:extLst>
                       <a:ext uri="{FF2B5EF4-FFF2-40B4-BE49-F238E27FC236}">
-                        <a16:creationId xmlns:a16="http://schemas.microsoft.com/office/drawing/2014/main" xmlns="" id="{769F6646-723D-4B62-90E2-4FDD4C0F3BE1}"/>
+                        <a16:creationId xmlns="" xmlns:a16="http://schemas.microsoft.com/office/drawing/2014/main" id="{769F6646-723D-4B62-90E2-4FDD4C0F3BE1}"/>
                       </a:ext>
                     </a:extLst>
                   </p:cNvPr>
@@ -6304,7 +6304,7 @@
                   <p:cNvPr id="90" name="TextBox 89">
                     <a:extLst>
                       <a:ext uri="{FF2B5EF4-FFF2-40B4-BE49-F238E27FC236}">
-                        <a16:creationId xmlns:a16="http://schemas.microsoft.com/office/drawing/2014/main" xmlns="" id="{B5FCEA77-DB72-4B9B-896F-CAF0FBB8824F}"/>
+                        <a16:creationId xmlns="" xmlns:a16="http://schemas.microsoft.com/office/drawing/2014/main" id="{B5FCEA77-DB72-4B9B-896F-CAF0FBB8824F}"/>
                       </a:ext>
                     </a:extLst>
                   </p:cNvPr>
@@ -6345,7 +6345,7 @@
                 <p:cNvPr id="87" name="TextBox 86">
                   <a:extLst>
                     <a:ext uri="{FF2B5EF4-FFF2-40B4-BE49-F238E27FC236}">
-                      <a16:creationId xmlns:a16="http://schemas.microsoft.com/office/drawing/2014/main" xmlns="" id="{E08231CB-4975-45E2-90E2-711E4C0623A6}"/>
+                      <a16:creationId xmlns="" xmlns:a16="http://schemas.microsoft.com/office/drawing/2014/main" id="{E08231CB-4975-45E2-90E2-711E4C0623A6}"/>
                     </a:ext>
                   </a:extLst>
                 </p:cNvPr>
@@ -6386,7 +6386,7 @@
               <p:cNvPr id="85" name="TextBox 84">
                 <a:extLst>
                   <a:ext uri="{FF2B5EF4-FFF2-40B4-BE49-F238E27FC236}">
-                    <a16:creationId xmlns:a16="http://schemas.microsoft.com/office/drawing/2014/main" xmlns="" id="{886800C3-39F3-4CA3-982B-091775F9BEF2}"/>
+                    <a16:creationId xmlns="" xmlns:a16="http://schemas.microsoft.com/office/drawing/2014/main" id="{886800C3-39F3-4CA3-982B-091775F9BEF2}"/>
                   </a:ext>
                 </a:extLst>
               </p:cNvPr>
@@ -6426,7 +6426,7 @@
             <p:cNvPr id="83" name="TextBox 82">
               <a:extLst>
                 <a:ext uri="{FF2B5EF4-FFF2-40B4-BE49-F238E27FC236}">
-                  <a16:creationId xmlns:a16="http://schemas.microsoft.com/office/drawing/2014/main" xmlns="" id="{BFD105B3-ED68-4F24-89BC-2C52177327D7}"/>
+                  <a16:creationId xmlns="" xmlns:a16="http://schemas.microsoft.com/office/drawing/2014/main" id="{BFD105B3-ED68-4F24-89BC-2C52177327D7}"/>
                 </a:ext>
               </a:extLst>
             </p:cNvPr>
@@ -6471,7 +6471,7 @@
           <p:cNvPr id="97" name="Group 96">
             <a:extLst>
               <a:ext uri="{FF2B5EF4-FFF2-40B4-BE49-F238E27FC236}">
-                <a16:creationId xmlns:a16="http://schemas.microsoft.com/office/drawing/2014/main" xmlns="" id="{1DEF5049-24D5-4A7F-A457-1D43B9295BBC}"/>
+                <a16:creationId xmlns="" xmlns:a16="http://schemas.microsoft.com/office/drawing/2014/main" id="{1DEF5049-24D5-4A7F-A457-1D43B9295BBC}"/>
               </a:ext>
             </a:extLst>
           </p:cNvPr>
@@ -6491,7 +6491,7 @@
             <p:cNvPr id="98" name="Group 97">
               <a:extLst>
                 <a:ext uri="{FF2B5EF4-FFF2-40B4-BE49-F238E27FC236}">
-                  <a16:creationId xmlns:a16="http://schemas.microsoft.com/office/drawing/2014/main" xmlns="" id="{329F01C5-BE82-4F40-AFB5-65E18A2E3DD8}"/>
+                  <a16:creationId xmlns="" xmlns:a16="http://schemas.microsoft.com/office/drawing/2014/main" id="{329F01C5-BE82-4F40-AFB5-65E18A2E3DD8}"/>
                 </a:ext>
               </a:extLst>
             </p:cNvPr>
@@ -6511,7 +6511,7 @@
               <p:cNvPr id="101" name="Oval 100">
                 <a:extLst>
                   <a:ext uri="{FF2B5EF4-FFF2-40B4-BE49-F238E27FC236}">
-                    <a16:creationId xmlns:a16="http://schemas.microsoft.com/office/drawing/2014/main" xmlns="" id="{ABD4714A-2318-43D8-8E69-0959044E5993}"/>
+                    <a16:creationId xmlns="" xmlns:a16="http://schemas.microsoft.com/office/drawing/2014/main" id="{ABD4714A-2318-43D8-8E69-0959044E5993}"/>
                   </a:ext>
                 </a:extLst>
               </p:cNvPr>
@@ -6568,7 +6568,7 @@
               <p:cNvPr id="102" name="Oval 101">
                 <a:extLst>
                   <a:ext uri="{FF2B5EF4-FFF2-40B4-BE49-F238E27FC236}">
-                    <a16:creationId xmlns:a16="http://schemas.microsoft.com/office/drawing/2014/main" xmlns="" id="{F52D2641-E7FB-4F26-BC4A-A3E91AA08E1B}"/>
+                    <a16:creationId xmlns="" xmlns:a16="http://schemas.microsoft.com/office/drawing/2014/main" id="{F52D2641-E7FB-4F26-BC4A-A3E91AA08E1B}"/>
                   </a:ext>
                 </a:extLst>
               </p:cNvPr>
@@ -6625,7 +6625,7 @@
               <p:cNvPr id="103" name="Oval 102">
                 <a:extLst>
                   <a:ext uri="{FF2B5EF4-FFF2-40B4-BE49-F238E27FC236}">
-                    <a16:creationId xmlns:a16="http://schemas.microsoft.com/office/drawing/2014/main" xmlns="" id="{52563AA7-4204-4037-A1E5-A157E64FE63B}"/>
+                    <a16:creationId xmlns="" xmlns:a16="http://schemas.microsoft.com/office/drawing/2014/main" id="{52563AA7-4204-4037-A1E5-A157E64FE63B}"/>
                   </a:ext>
                 </a:extLst>
               </p:cNvPr>
@@ -6683,7 +6683,7 @@
               <p:cNvPr id="104" name="Oval 103">
                 <a:extLst>
                   <a:ext uri="{FF2B5EF4-FFF2-40B4-BE49-F238E27FC236}">
-                    <a16:creationId xmlns:a16="http://schemas.microsoft.com/office/drawing/2014/main" xmlns="" id="{8CE94D1A-A119-4F8B-888B-E3C3DFDFA06C}"/>
+                    <a16:creationId xmlns="" xmlns:a16="http://schemas.microsoft.com/office/drawing/2014/main" id="{8CE94D1A-A119-4F8B-888B-E3C3DFDFA06C}"/>
                   </a:ext>
                 </a:extLst>
               </p:cNvPr>
@@ -6745,7 +6745,7 @@
             <p:cNvPr id="99" name="TextBox 98">
               <a:extLst>
                 <a:ext uri="{FF2B5EF4-FFF2-40B4-BE49-F238E27FC236}">
-                  <a16:creationId xmlns:a16="http://schemas.microsoft.com/office/drawing/2014/main" xmlns="" id="{DDFFC7ED-B194-4FC5-91B0-255B2173939F}"/>
+                  <a16:creationId xmlns="" xmlns:a16="http://schemas.microsoft.com/office/drawing/2014/main" id="{DDFFC7ED-B194-4FC5-91B0-255B2173939F}"/>
                 </a:ext>
               </a:extLst>
             </p:cNvPr>
@@ -6822,7 +6822,7 @@
             <p:cNvPr id="100" name="TextBox 99">
               <a:extLst>
                 <a:ext uri="{FF2B5EF4-FFF2-40B4-BE49-F238E27FC236}">
-                  <a16:creationId xmlns:a16="http://schemas.microsoft.com/office/drawing/2014/main" xmlns="" id="{EAD8081A-6C91-42D7-AAC1-FEDD21D02A3C}"/>
+                  <a16:creationId xmlns="" xmlns:a16="http://schemas.microsoft.com/office/drawing/2014/main" id="{EAD8081A-6C91-42D7-AAC1-FEDD21D02A3C}"/>
                 </a:ext>
               </a:extLst>
             </p:cNvPr>
@@ -6917,7 +6917,7 @@
           <p:cNvPr id="147" name="Group 146">
             <a:extLst>
               <a:ext uri="{FF2B5EF4-FFF2-40B4-BE49-F238E27FC236}">
-                <a16:creationId xmlns:a16="http://schemas.microsoft.com/office/drawing/2014/main" xmlns="" id="{709C87B8-071F-42C2-A8DE-A6051E84C197}"/>
+                <a16:creationId xmlns="" xmlns:a16="http://schemas.microsoft.com/office/drawing/2014/main" id="{709C87B8-071F-42C2-A8DE-A6051E84C197}"/>
               </a:ext>
             </a:extLst>
           </p:cNvPr>
@@ -6937,7 +6937,7 @@
             <p:cNvPr id="148" name="Group 147">
               <a:extLst>
                 <a:ext uri="{FF2B5EF4-FFF2-40B4-BE49-F238E27FC236}">
-                  <a16:creationId xmlns:a16="http://schemas.microsoft.com/office/drawing/2014/main" xmlns="" id="{026999E9-F9F8-4E8A-AB5E-C475BCC958D9}"/>
+                  <a16:creationId xmlns="" xmlns:a16="http://schemas.microsoft.com/office/drawing/2014/main" id="{026999E9-F9F8-4E8A-AB5E-C475BCC958D9}"/>
                 </a:ext>
               </a:extLst>
             </p:cNvPr>
@@ -7418,7 +7418,7 @@
               <p:cNvPr id="151" name="TextBox 150">
                 <a:extLst>
                   <a:ext uri="{FF2B5EF4-FFF2-40B4-BE49-F238E27FC236}">
-                    <a16:creationId xmlns:a16="http://schemas.microsoft.com/office/drawing/2014/main" xmlns="" id="{8C8A0BB9-1357-4728-9CE7-3CE202F53E59}"/>
+                    <a16:creationId xmlns="" xmlns:a16="http://schemas.microsoft.com/office/drawing/2014/main" id="{8C8A0BB9-1357-4728-9CE7-3CE202F53E59}"/>
                   </a:ext>
                 </a:extLst>
               </p:cNvPr>
@@ -7459,7 +7459,7 @@
             <p:cNvPr id="149" name="TextBox 148">
               <a:extLst>
                 <a:ext uri="{FF2B5EF4-FFF2-40B4-BE49-F238E27FC236}">
-                  <a16:creationId xmlns:a16="http://schemas.microsoft.com/office/drawing/2014/main" xmlns="" id="{D623C965-D1FD-4C88-8FD5-732CFAFE6BFD}"/>
+                  <a16:creationId xmlns="" xmlns:a16="http://schemas.microsoft.com/office/drawing/2014/main" id="{D623C965-D1FD-4C88-8FD5-732CFAFE6BFD}"/>
                 </a:ext>
               </a:extLst>
             </p:cNvPr>
@@ -7504,7 +7504,7 @@
           <p:cNvPr id="164" name="Group 163">
             <a:extLst>
               <a:ext uri="{FF2B5EF4-FFF2-40B4-BE49-F238E27FC236}">
-                <a16:creationId xmlns:a16="http://schemas.microsoft.com/office/drawing/2014/main" xmlns="" id="{1378DE23-7D62-478B-95BE-FF73F0228F81}"/>
+                <a16:creationId xmlns="" xmlns:a16="http://schemas.microsoft.com/office/drawing/2014/main" id="{1378DE23-7D62-478B-95BE-FF73F0228F81}"/>
               </a:ext>
             </a:extLst>
           </p:cNvPr>
@@ -7877,7 +7877,7 @@
             <p:cNvPr id="166" name="TextBox 165">
               <a:extLst>
                 <a:ext uri="{FF2B5EF4-FFF2-40B4-BE49-F238E27FC236}">
-                  <a16:creationId xmlns:a16="http://schemas.microsoft.com/office/drawing/2014/main" xmlns="" id="{7472ED37-5D8A-4600-8965-599DD324EE41}"/>
+                  <a16:creationId xmlns="" xmlns:a16="http://schemas.microsoft.com/office/drawing/2014/main" id="{7472ED37-5D8A-4600-8965-599DD324EE41}"/>
                 </a:ext>
               </a:extLst>
             </p:cNvPr>
@@ -7922,7 +7922,7 @@
           <p:cNvPr id="175" name="Group 174">
             <a:extLst>
               <a:ext uri="{FF2B5EF4-FFF2-40B4-BE49-F238E27FC236}">
-                <a16:creationId xmlns:a16="http://schemas.microsoft.com/office/drawing/2014/main" xmlns="" id="{74B26ABE-DB48-4D22-8605-448C2C9BB469}"/>
+                <a16:creationId xmlns="" xmlns:a16="http://schemas.microsoft.com/office/drawing/2014/main" id="{74B26ABE-DB48-4D22-8605-448C2C9BB469}"/>
               </a:ext>
             </a:extLst>
           </p:cNvPr>
@@ -7942,7 +7942,7 @@
             <p:cNvPr id="176" name="Group 175">
               <a:extLst>
                 <a:ext uri="{FF2B5EF4-FFF2-40B4-BE49-F238E27FC236}">
-                  <a16:creationId xmlns:a16="http://schemas.microsoft.com/office/drawing/2014/main" xmlns="" id="{882FBE51-C2A6-41EB-ACE8-745B20AA2BA5}"/>
+                  <a16:creationId xmlns="" xmlns:a16="http://schemas.microsoft.com/office/drawing/2014/main" id="{882FBE51-C2A6-41EB-ACE8-745B20AA2BA5}"/>
                 </a:ext>
               </a:extLst>
             </p:cNvPr>
@@ -8397,7 +8397,7 @@
               <p:cNvPr id="179" name="TextBox 178">
                 <a:extLst>
                   <a:ext uri="{FF2B5EF4-FFF2-40B4-BE49-F238E27FC236}">
-                    <a16:creationId xmlns:a16="http://schemas.microsoft.com/office/drawing/2014/main" xmlns="" id="{C3908C2E-2C90-4F2E-A289-A4C95B6B9AAE}"/>
+                    <a16:creationId xmlns="" xmlns:a16="http://schemas.microsoft.com/office/drawing/2014/main" id="{C3908C2E-2C90-4F2E-A289-A4C95B6B9AAE}"/>
                   </a:ext>
                 </a:extLst>
               </p:cNvPr>
@@ -8442,7 +8442,7 @@
             <p:cNvPr id="177" name="TextBox 176">
               <a:extLst>
                 <a:ext uri="{FF2B5EF4-FFF2-40B4-BE49-F238E27FC236}">
-                  <a16:creationId xmlns:a16="http://schemas.microsoft.com/office/drawing/2014/main" xmlns="" id="{EC5C7B60-870A-4939-AA11-8153EC33E6FE}"/>
+                  <a16:creationId xmlns="" xmlns:a16="http://schemas.microsoft.com/office/drawing/2014/main" id="{EC5C7B60-870A-4939-AA11-8153EC33E6FE}"/>
                 </a:ext>
               </a:extLst>
             </p:cNvPr>
@@ -8487,7 +8487,7 @@
           <p:cNvPr id="191" name="Group 190">
             <a:extLst>
               <a:ext uri="{FF2B5EF4-FFF2-40B4-BE49-F238E27FC236}">
-                <a16:creationId xmlns:a16="http://schemas.microsoft.com/office/drawing/2014/main" xmlns="" id="{7E8B3428-E8FD-4A97-AD4A-DB1DC838EEC4}"/>
+                <a16:creationId xmlns="" xmlns:a16="http://schemas.microsoft.com/office/drawing/2014/main" id="{7E8B3428-E8FD-4A97-AD4A-DB1DC838EEC4}"/>
               </a:ext>
             </a:extLst>
           </p:cNvPr>
@@ -8507,7 +8507,7 @@
             <p:cNvPr id="192" name="Group 191">
               <a:extLst>
                 <a:ext uri="{FF2B5EF4-FFF2-40B4-BE49-F238E27FC236}">
-                  <a16:creationId xmlns:a16="http://schemas.microsoft.com/office/drawing/2014/main" xmlns="" id="{38A24F48-A60F-4057-8B81-29F7C7B2F779}"/>
+                  <a16:creationId xmlns="" xmlns:a16="http://schemas.microsoft.com/office/drawing/2014/main" id="{38A24F48-A60F-4057-8B81-29F7C7B2F779}"/>
                 </a:ext>
               </a:extLst>
             </p:cNvPr>
@@ -8933,7 +8933,7 @@
               <p:cNvPr id="195" name="TextBox 194">
                 <a:extLst>
                   <a:ext uri="{FF2B5EF4-FFF2-40B4-BE49-F238E27FC236}">
-                    <a16:creationId xmlns:a16="http://schemas.microsoft.com/office/drawing/2014/main" xmlns="" id="{7327F190-3648-457A-A36D-AE45D82F81C0}"/>
+                    <a16:creationId xmlns="" xmlns:a16="http://schemas.microsoft.com/office/drawing/2014/main" id="{7327F190-3648-457A-A36D-AE45D82F81C0}"/>
                   </a:ext>
                 </a:extLst>
               </p:cNvPr>
@@ -8974,7 +8974,7 @@
             <p:cNvPr id="193" name="TextBox 192">
               <a:extLst>
                 <a:ext uri="{FF2B5EF4-FFF2-40B4-BE49-F238E27FC236}">
-                  <a16:creationId xmlns:a16="http://schemas.microsoft.com/office/drawing/2014/main" xmlns="" id="{1C557B58-0D37-4554-ACA8-7C203D39099B}"/>
+                  <a16:creationId xmlns="" xmlns:a16="http://schemas.microsoft.com/office/drawing/2014/main" id="{1C557B58-0D37-4554-ACA8-7C203D39099B}"/>
                 </a:ext>
               </a:extLst>
             </p:cNvPr>
@@ -9019,7 +9019,7 @@
           <p:cNvPr id="98" name="Group 97">
             <a:extLst>
               <a:ext uri="{FF2B5EF4-FFF2-40B4-BE49-F238E27FC236}">
-                <a16:creationId xmlns:a16="http://schemas.microsoft.com/office/drawing/2014/main" xmlns="" id="{E5336EE1-F72C-42F3-A99C-BE09D41EDB9C}"/>
+                <a16:creationId xmlns="" xmlns:a16="http://schemas.microsoft.com/office/drawing/2014/main" id="{E5336EE1-F72C-42F3-A99C-BE09D41EDB9C}"/>
               </a:ext>
             </a:extLst>
           </p:cNvPr>
@@ -9039,7 +9039,7 @@
             <p:cNvPr id="99" name="Group 98">
               <a:extLst>
                 <a:ext uri="{FF2B5EF4-FFF2-40B4-BE49-F238E27FC236}">
-                  <a16:creationId xmlns:a16="http://schemas.microsoft.com/office/drawing/2014/main" xmlns="" id="{DA6BEE02-34B8-4E94-88FA-4E084F83BD43}"/>
+                  <a16:creationId xmlns="" xmlns:a16="http://schemas.microsoft.com/office/drawing/2014/main" id="{DA6BEE02-34B8-4E94-88FA-4E084F83BD43}"/>
                 </a:ext>
               </a:extLst>
             </p:cNvPr>
@@ -9059,7 +9059,7 @@
               <p:cNvPr id="102" name="Oval 101">
                 <a:extLst>
                   <a:ext uri="{FF2B5EF4-FFF2-40B4-BE49-F238E27FC236}">
-                    <a16:creationId xmlns:a16="http://schemas.microsoft.com/office/drawing/2014/main" xmlns="" id="{AA46D433-78B8-4FA2-AC49-23EF9963D6FD}"/>
+                    <a16:creationId xmlns="" xmlns:a16="http://schemas.microsoft.com/office/drawing/2014/main" id="{AA46D433-78B8-4FA2-AC49-23EF9963D6FD}"/>
                   </a:ext>
                 </a:extLst>
               </p:cNvPr>
@@ -9116,7 +9116,7 @@
               <p:cNvPr id="103" name="Oval 102">
                 <a:extLst>
                   <a:ext uri="{FF2B5EF4-FFF2-40B4-BE49-F238E27FC236}">
-                    <a16:creationId xmlns:a16="http://schemas.microsoft.com/office/drawing/2014/main" xmlns="" id="{942893DB-3A2A-4441-9E4F-0D1FB4D67DFF}"/>
+                    <a16:creationId xmlns="" xmlns:a16="http://schemas.microsoft.com/office/drawing/2014/main" id="{942893DB-3A2A-4441-9E4F-0D1FB4D67DFF}"/>
                   </a:ext>
                 </a:extLst>
               </p:cNvPr>
@@ -9173,7 +9173,7 @@
               <p:cNvPr id="104" name="Oval 103">
                 <a:extLst>
                   <a:ext uri="{FF2B5EF4-FFF2-40B4-BE49-F238E27FC236}">
-                    <a16:creationId xmlns:a16="http://schemas.microsoft.com/office/drawing/2014/main" xmlns="" id="{61D7BD8E-8BD1-46D0-90CB-79BC639E68C1}"/>
+                    <a16:creationId xmlns="" xmlns:a16="http://schemas.microsoft.com/office/drawing/2014/main" id="{61D7BD8E-8BD1-46D0-90CB-79BC639E68C1}"/>
                   </a:ext>
                 </a:extLst>
               </p:cNvPr>
@@ -9231,7 +9231,7 @@
               <p:cNvPr id="105" name="Oval 104">
                 <a:extLst>
                   <a:ext uri="{FF2B5EF4-FFF2-40B4-BE49-F238E27FC236}">
-                    <a16:creationId xmlns:a16="http://schemas.microsoft.com/office/drawing/2014/main" xmlns="" id="{EC157B00-ADC1-462E-89ED-43675A451350}"/>
+                    <a16:creationId xmlns="" xmlns:a16="http://schemas.microsoft.com/office/drawing/2014/main" id="{EC157B00-ADC1-462E-89ED-43675A451350}"/>
                   </a:ext>
                 </a:extLst>
               </p:cNvPr>
@@ -9293,7 +9293,7 @@
             <p:cNvPr id="100" name="TextBox 99">
               <a:extLst>
                 <a:ext uri="{FF2B5EF4-FFF2-40B4-BE49-F238E27FC236}">
-                  <a16:creationId xmlns:a16="http://schemas.microsoft.com/office/drawing/2014/main" xmlns="" id="{B88448C8-D2A6-49B1-B1FD-3D31B70D6110}"/>
+                  <a16:creationId xmlns="" xmlns:a16="http://schemas.microsoft.com/office/drawing/2014/main" id="{B88448C8-D2A6-49B1-B1FD-3D31B70D6110}"/>
                 </a:ext>
               </a:extLst>
             </p:cNvPr>
@@ -9370,7 +9370,7 @@
             <p:cNvPr id="101" name="TextBox 100">
               <a:extLst>
                 <a:ext uri="{FF2B5EF4-FFF2-40B4-BE49-F238E27FC236}">
-                  <a16:creationId xmlns:a16="http://schemas.microsoft.com/office/drawing/2014/main" xmlns="" id="{9D4CDA77-EACB-4F55-A96F-C0829D4AD59E}"/>
+                  <a16:creationId xmlns="" xmlns:a16="http://schemas.microsoft.com/office/drawing/2014/main" id="{9D4CDA77-EACB-4F55-A96F-C0829D4AD59E}"/>
                 </a:ext>
               </a:extLst>
             </p:cNvPr>

--- a/results_w_CI_w_excl.pptx
+++ b/results_w_CI_w_excl.pptx
@@ -5,11 +5,13 @@
     <p:sldMasterId id="2147483648" r:id="rId1"/>
   </p:sldMasterIdLst>
   <p:notesMasterIdLst>
-    <p:notesMasterId r:id="rId4"/>
+    <p:notesMasterId r:id="rId6"/>
   </p:notesMasterIdLst>
   <p:sldIdLst>
     <p:sldId id="257" r:id="rId2"/>
-    <p:sldId id="258" r:id="rId3"/>
+    <p:sldId id="260" r:id="rId3"/>
+    <p:sldId id="259" r:id="rId4"/>
+    <p:sldId id="258" r:id="rId5"/>
   </p:sldIdLst>
   <p:sldSz cx="12192000" cy="6858000"/>
   <p:notesSz cx="6858000" cy="9144000"/>
@@ -198,7 +200,7 @@
           <a:p>
             <a:fld id="{8B9DAE71-14C6-43BF-8377-DCBB177C1E2D}" type="datetimeFigureOut">
               <a:rPr lang="en-US" smtClean="0"/>
-              <a:t>2019/06/06</a:t>
+              <a:t>2019/06/27</a:t>
             </a:fld>
             <a:endParaRPr lang="en-US"/>
           </a:p>
@@ -624,6 +626,174 @@
     </p:spTree>
     <p:extLst>
       <p:ext uri="{BB962C8B-B14F-4D97-AF65-F5344CB8AC3E}">
+        <p14:creationId xmlns:p14="http://schemas.microsoft.com/office/powerpoint/2010/main" val="2297526636"/>
+      </p:ext>
+    </p:extLst>
+  </p:cSld>
+  <p:clrMapOvr>
+    <a:masterClrMapping/>
+  </p:clrMapOvr>
+</p:notes>
+</file>
+
+<file path=ppt/notesSlides/notesSlide3.xml><?xml version="1.0" encoding="utf-8"?>
+<p:notes xmlns:a="http://schemas.openxmlformats.org/drawingml/2006/main" xmlns:r="http://schemas.openxmlformats.org/officeDocument/2006/relationships" xmlns:p="http://schemas.openxmlformats.org/presentationml/2006/main">
+  <p:cSld>
+    <p:spTree>
+      <p:nvGrpSpPr>
+        <p:cNvPr id="1" name=""/>
+        <p:cNvGrpSpPr/>
+        <p:nvPr/>
+      </p:nvGrpSpPr>
+      <p:grpSpPr>
+        <a:xfrm>
+          <a:off x="0" y="0"/>
+          <a:ext cx="0" cy="0"/>
+          <a:chOff x="0" y="0"/>
+          <a:chExt cx="0" cy="0"/>
+        </a:xfrm>
+      </p:grpSpPr>
+      <p:sp>
+        <p:nvSpPr>
+          <p:cNvPr id="2" name="Slide Image Placeholder 1"/>
+          <p:cNvSpPr>
+            <a:spLocks noGrp="1" noRot="1" noChangeAspect="1"/>
+          </p:cNvSpPr>
+          <p:nvPr>
+            <p:ph type="sldImg"/>
+          </p:nvPr>
+        </p:nvSpPr>
+        <p:spPr/>
+      </p:sp>
+      <p:sp>
+        <p:nvSpPr>
+          <p:cNvPr id="3" name="Notes Placeholder 2"/>
+          <p:cNvSpPr>
+            <a:spLocks noGrp="1"/>
+          </p:cNvSpPr>
+          <p:nvPr>
+            <p:ph type="body" idx="1"/>
+          </p:nvPr>
+        </p:nvSpPr>
+        <p:spPr/>
+        <p:txBody>
+          <a:bodyPr/>
+          <a:lstStyle/>
+          <a:p>
+            <a:endParaRPr lang="en-CA" dirty="0"/>
+          </a:p>
+        </p:txBody>
+      </p:sp>
+      <p:sp>
+        <p:nvSpPr>
+          <p:cNvPr id="4" name="Slide Number Placeholder 3"/>
+          <p:cNvSpPr>
+            <a:spLocks noGrp="1"/>
+          </p:cNvSpPr>
+          <p:nvPr>
+            <p:ph type="sldNum" sz="quarter" idx="5"/>
+          </p:nvPr>
+        </p:nvSpPr>
+        <p:spPr/>
+        <p:txBody>
+          <a:bodyPr/>
+          <a:lstStyle/>
+          <a:p>
+            <a:fld id="{B46AF0F4-CCC6-49BB-8989-F04755BDA345}" type="slidenum">
+              <a:rPr lang="en-CA" smtClean="0"/>
+              <a:t>3</a:t>
+            </a:fld>
+            <a:endParaRPr lang="en-CA"/>
+          </a:p>
+        </p:txBody>
+      </p:sp>
+    </p:spTree>
+    <p:extLst>
+      <p:ext uri="{BB962C8B-B14F-4D97-AF65-F5344CB8AC3E}">
+        <p14:creationId xmlns:p14="http://schemas.microsoft.com/office/powerpoint/2010/main" val="4016245760"/>
+      </p:ext>
+    </p:extLst>
+  </p:cSld>
+  <p:clrMapOvr>
+    <a:masterClrMapping/>
+  </p:clrMapOvr>
+</p:notes>
+</file>
+
+<file path=ppt/notesSlides/notesSlide4.xml><?xml version="1.0" encoding="utf-8"?>
+<p:notes xmlns:a="http://schemas.openxmlformats.org/drawingml/2006/main" xmlns:r="http://schemas.openxmlformats.org/officeDocument/2006/relationships" xmlns:p="http://schemas.openxmlformats.org/presentationml/2006/main">
+  <p:cSld>
+    <p:spTree>
+      <p:nvGrpSpPr>
+        <p:cNvPr id="1" name=""/>
+        <p:cNvGrpSpPr/>
+        <p:nvPr/>
+      </p:nvGrpSpPr>
+      <p:grpSpPr>
+        <a:xfrm>
+          <a:off x="0" y="0"/>
+          <a:ext cx="0" cy="0"/>
+          <a:chOff x="0" y="0"/>
+          <a:chExt cx="0" cy="0"/>
+        </a:xfrm>
+      </p:grpSpPr>
+      <p:sp>
+        <p:nvSpPr>
+          <p:cNvPr id="2" name="Slide Image Placeholder 1"/>
+          <p:cNvSpPr>
+            <a:spLocks noGrp="1" noRot="1" noChangeAspect="1"/>
+          </p:cNvSpPr>
+          <p:nvPr>
+            <p:ph type="sldImg"/>
+          </p:nvPr>
+        </p:nvSpPr>
+        <p:spPr/>
+      </p:sp>
+      <p:sp>
+        <p:nvSpPr>
+          <p:cNvPr id="3" name="Notes Placeholder 2"/>
+          <p:cNvSpPr>
+            <a:spLocks noGrp="1"/>
+          </p:cNvSpPr>
+          <p:nvPr>
+            <p:ph type="body" idx="1"/>
+          </p:nvPr>
+        </p:nvSpPr>
+        <p:spPr/>
+        <p:txBody>
+          <a:bodyPr/>
+          <a:lstStyle/>
+          <a:p>
+            <a:endParaRPr lang="en-CA" dirty="0"/>
+          </a:p>
+        </p:txBody>
+      </p:sp>
+      <p:sp>
+        <p:nvSpPr>
+          <p:cNvPr id="4" name="Slide Number Placeholder 3"/>
+          <p:cNvSpPr>
+            <a:spLocks noGrp="1"/>
+          </p:cNvSpPr>
+          <p:nvPr>
+            <p:ph type="sldNum" sz="quarter" idx="5"/>
+          </p:nvPr>
+        </p:nvSpPr>
+        <p:spPr/>
+        <p:txBody>
+          <a:bodyPr/>
+          <a:lstStyle/>
+          <a:p>
+            <a:fld id="{B46AF0F4-CCC6-49BB-8989-F04755BDA345}" type="slidenum">
+              <a:rPr lang="en-CA" smtClean="0"/>
+              <a:t>4</a:t>
+            </a:fld>
+            <a:endParaRPr lang="en-CA"/>
+          </a:p>
+        </p:txBody>
+      </p:sp>
+    </p:spTree>
+    <p:extLst>
+      <p:ext uri="{BB962C8B-B14F-4D97-AF65-F5344CB8AC3E}">
         <p14:creationId xmlns:p14="http://schemas.microsoft.com/office/powerpoint/2010/main" val="278782838"/>
       </p:ext>
     </p:extLst>
@@ -765,7 +935,7 @@
           <a:p>
             <a:fld id="{7BD11EC7-BF2A-4653-B12A-BDCEC9BF7A38}" type="datetimeFigureOut">
               <a:rPr lang="en-US" smtClean="0"/>
-              <a:t>2019/06/06</a:t>
+              <a:t>2019/06/27</a:t>
             </a:fld>
             <a:endParaRPr lang="en-US"/>
           </a:p>
@@ -935,7 +1105,7 @@
           <a:p>
             <a:fld id="{7BD11EC7-BF2A-4653-B12A-BDCEC9BF7A38}" type="datetimeFigureOut">
               <a:rPr lang="en-US" smtClean="0"/>
-              <a:t>2019/06/06</a:t>
+              <a:t>2019/06/27</a:t>
             </a:fld>
             <a:endParaRPr lang="en-US"/>
           </a:p>
@@ -1115,7 +1285,7 @@
           <a:p>
             <a:fld id="{7BD11EC7-BF2A-4653-B12A-BDCEC9BF7A38}" type="datetimeFigureOut">
               <a:rPr lang="en-US" smtClean="0"/>
-              <a:t>2019/06/06</a:t>
+              <a:t>2019/06/27</a:t>
             </a:fld>
             <a:endParaRPr lang="en-US"/>
           </a:p>
@@ -1285,7 +1455,7 @@
           <a:p>
             <a:fld id="{7BD11EC7-BF2A-4653-B12A-BDCEC9BF7A38}" type="datetimeFigureOut">
               <a:rPr lang="en-US" smtClean="0"/>
-              <a:t>2019/06/06</a:t>
+              <a:t>2019/06/27</a:t>
             </a:fld>
             <a:endParaRPr lang="en-US"/>
           </a:p>
@@ -1531,7 +1701,7 @@
           <a:p>
             <a:fld id="{7BD11EC7-BF2A-4653-B12A-BDCEC9BF7A38}" type="datetimeFigureOut">
               <a:rPr lang="en-US" smtClean="0"/>
-              <a:t>2019/06/06</a:t>
+              <a:t>2019/06/27</a:t>
             </a:fld>
             <a:endParaRPr lang="en-US"/>
           </a:p>
@@ -1763,7 +1933,7 @@
           <a:p>
             <a:fld id="{7BD11EC7-BF2A-4653-B12A-BDCEC9BF7A38}" type="datetimeFigureOut">
               <a:rPr lang="en-US" smtClean="0"/>
-              <a:t>2019/06/06</a:t>
+              <a:t>2019/06/27</a:t>
             </a:fld>
             <a:endParaRPr lang="en-US"/>
           </a:p>
@@ -2130,7 +2300,7 @@
           <a:p>
             <a:fld id="{7BD11EC7-BF2A-4653-B12A-BDCEC9BF7A38}" type="datetimeFigureOut">
               <a:rPr lang="en-US" smtClean="0"/>
-              <a:t>2019/06/06</a:t>
+              <a:t>2019/06/27</a:t>
             </a:fld>
             <a:endParaRPr lang="en-US"/>
           </a:p>
@@ -2248,7 +2418,7 @@
           <a:p>
             <a:fld id="{7BD11EC7-BF2A-4653-B12A-BDCEC9BF7A38}" type="datetimeFigureOut">
               <a:rPr lang="en-US" smtClean="0"/>
-              <a:t>2019/06/06</a:t>
+              <a:t>2019/06/27</a:t>
             </a:fld>
             <a:endParaRPr lang="en-US"/>
           </a:p>
@@ -2343,7 +2513,7 @@
           <a:p>
             <a:fld id="{7BD11EC7-BF2A-4653-B12A-BDCEC9BF7A38}" type="datetimeFigureOut">
               <a:rPr lang="en-US" smtClean="0"/>
-              <a:t>2019/06/06</a:t>
+              <a:t>2019/06/27</a:t>
             </a:fld>
             <a:endParaRPr lang="en-US"/>
           </a:p>
@@ -2620,7 +2790,7 @@
           <a:p>
             <a:fld id="{7BD11EC7-BF2A-4653-B12A-BDCEC9BF7A38}" type="datetimeFigureOut">
               <a:rPr lang="en-US" smtClean="0"/>
-              <a:t>2019/06/06</a:t>
+              <a:t>2019/06/27</a:t>
             </a:fld>
             <a:endParaRPr lang="en-US"/>
           </a:p>
@@ -2873,7 +3043,7 @@
           <a:p>
             <a:fld id="{7BD11EC7-BF2A-4653-B12A-BDCEC9BF7A38}" type="datetimeFigureOut">
               <a:rPr lang="en-US" smtClean="0"/>
-              <a:t>2019/06/06</a:t>
+              <a:t>2019/06/27</a:t>
             </a:fld>
             <a:endParaRPr lang="en-US"/>
           </a:p>
@@ -3086,7 +3256,7 @@
           <a:p>
             <a:fld id="{7BD11EC7-BF2A-4653-B12A-BDCEC9BF7A38}" type="datetimeFigureOut">
               <a:rPr lang="en-US" smtClean="0"/>
-              <a:t>2019/06/06</a:t>
+              <a:t>2019/06/27</a:t>
             </a:fld>
             <a:endParaRPr lang="en-US"/>
           </a:p>
@@ -3493,6 +3663,222 @@
       </p:grpSpPr>
       <p:pic>
         <p:nvPicPr>
+          <p:cNvPr id="4" name="Picture 3"/>
+          <p:cNvPicPr>
+            <a:picLocks noChangeAspect="1"/>
+          </p:cNvPicPr>
+          <p:nvPr/>
+        </p:nvPicPr>
+        <p:blipFill>
+          <a:blip r:embed="rId3">
+            <a:extLst>
+              <a:ext uri="{28A0092B-C50C-407E-A947-70E740481C1C}">
+                <a14:useLocalDpi xmlns:a14="http://schemas.microsoft.com/office/drawing/2010/main" val="0"/>
+              </a:ext>
+            </a:extLst>
+          </a:blip>
+          <a:stretch>
+            <a:fillRect/>
+          </a:stretch>
+        </p:blipFill>
+        <p:spPr>
+          <a:xfrm>
+            <a:off x="-2" y="796413"/>
+            <a:ext cx="6951407" cy="5004619"/>
+          </a:xfrm>
+          <a:prstGeom prst="rect">
+            <a:avLst/>
+          </a:prstGeom>
+        </p:spPr>
+      </p:pic>
+      <p:pic>
+        <p:nvPicPr>
+          <p:cNvPr id="5" name="Picture 4"/>
+          <p:cNvPicPr>
+            <a:picLocks noChangeAspect="1"/>
+          </p:cNvPicPr>
+          <p:nvPr/>
+        </p:nvPicPr>
+        <p:blipFill rotWithShape="1">
+          <a:blip r:embed="rId4">
+            <a:extLst>
+              <a:ext uri="{28A0092B-C50C-407E-A947-70E740481C1C}">
+                <a14:useLocalDpi xmlns:a14="http://schemas.microsoft.com/office/drawing/2010/main" val="0"/>
+              </a:ext>
+            </a:extLst>
+          </a:blip>
+          <a:srcRect l="4460"/>
+          <a:stretch/>
+        </p:blipFill>
+        <p:spPr>
+          <a:xfrm>
+            <a:off x="5624053" y="796413"/>
+            <a:ext cx="6567947" cy="4405010"/>
+          </a:xfrm>
+          <a:prstGeom prst="rect">
+            <a:avLst/>
+          </a:prstGeom>
+        </p:spPr>
+      </p:pic>
+    </p:spTree>
+    <p:extLst>
+      <p:ext uri="{BB962C8B-B14F-4D97-AF65-F5344CB8AC3E}">
+        <p14:creationId xmlns:p14="http://schemas.microsoft.com/office/powerpoint/2010/main" val="1393546526"/>
+      </p:ext>
+    </p:extLst>
+  </p:cSld>
+  <p:clrMapOvr>
+    <a:masterClrMapping/>
+  </p:clrMapOvr>
+  <mc:AlternateContent xmlns:mc="http://schemas.openxmlformats.org/markup-compatibility/2006" xmlns:p14="http://schemas.microsoft.com/office/powerpoint/2010/main">
+    <mc:Choice Requires="p14">
+      <p:transition spd="med" p14:dur="700">
+        <p:fade/>
+      </p:transition>
+    </mc:Choice>
+    <mc:Fallback xmlns="">
+      <p:transition spd="med">
+        <p:fade/>
+      </p:transition>
+    </mc:Fallback>
+  </mc:AlternateContent>
+  <p:timing>
+    <p:tnLst>
+      <p:par>
+        <p:cTn id="1" dur="indefinite" restart="never" nodeType="tmRoot"/>
+      </p:par>
+    </p:tnLst>
+  </p:timing>
+</p:sld>
+</file>
+
+<file path=ppt/slides/slide2.xml><?xml version="1.0" encoding="utf-8"?>
+<p:sld xmlns:a="http://schemas.openxmlformats.org/drawingml/2006/main" xmlns:r="http://schemas.openxmlformats.org/officeDocument/2006/relationships" xmlns:p="http://schemas.openxmlformats.org/presentationml/2006/main">
+  <p:cSld>
+    <p:spTree>
+      <p:nvGrpSpPr>
+        <p:cNvPr id="1" name=""/>
+        <p:cNvGrpSpPr/>
+        <p:nvPr/>
+      </p:nvGrpSpPr>
+      <p:grpSpPr>
+        <a:xfrm>
+          <a:off x="0" y="0"/>
+          <a:ext cx="0" cy="0"/>
+          <a:chOff x="0" y="0"/>
+          <a:chExt cx="0" cy="0"/>
+        </a:xfrm>
+      </p:grpSpPr>
+      <p:pic>
+        <p:nvPicPr>
+          <p:cNvPr id="6" name="Picture 5"/>
+          <p:cNvPicPr>
+            <a:picLocks noChangeAspect="1"/>
+          </p:cNvPicPr>
+          <p:nvPr/>
+        </p:nvPicPr>
+        <p:blipFill>
+          <a:blip r:embed="rId3">
+            <a:extLst>
+              <a:ext uri="{28A0092B-C50C-407E-A947-70E740481C1C}">
+                <a14:useLocalDpi xmlns:a14="http://schemas.microsoft.com/office/drawing/2010/main" val="0"/>
+              </a:ext>
+            </a:extLst>
+          </a:blip>
+          <a:stretch>
+            <a:fillRect/>
+          </a:stretch>
+        </p:blipFill>
+        <p:spPr>
+          <a:xfrm>
+            <a:off x="0" y="890407"/>
+            <a:ext cx="6794090" cy="4674651"/>
+          </a:xfrm>
+          <a:prstGeom prst="rect">
+            <a:avLst/>
+          </a:prstGeom>
+        </p:spPr>
+      </p:pic>
+      <p:pic>
+        <p:nvPicPr>
+          <p:cNvPr id="2" name="Picture 1"/>
+          <p:cNvPicPr>
+            <a:picLocks noChangeAspect="1"/>
+          </p:cNvPicPr>
+          <p:nvPr/>
+        </p:nvPicPr>
+        <p:blipFill rotWithShape="1">
+          <a:blip r:embed="rId4">
+            <a:extLst>
+              <a:ext uri="{28A0092B-C50C-407E-A947-70E740481C1C}">
+                <a14:useLocalDpi xmlns:a14="http://schemas.microsoft.com/office/drawing/2010/main" val="0"/>
+              </a:ext>
+            </a:extLst>
+          </a:blip>
+          <a:srcRect l="4564"/>
+          <a:stretch/>
+        </p:blipFill>
+        <p:spPr>
+          <a:xfrm>
+            <a:off x="5388077" y="890407"/>
+            <a:ext cx="6931742" cy="4641882"/>
+          </a:xfrm>
+          <a:prstGeom prst="rect">
+            <a:avLst/>
+          </a:prstGeom>
+        </p:spPr>
+      </p:pic>
+    </p:spTree>
+    <p:extLst>
+      <p:ext uri="{BB962C8B-B14F-4D97-AF65-F5344CB8AC3E}">
+        <p14:creationId xmlns:p14="http://schemas.microsoft.com/office/powerpoint/2010/main" val="960000456"/>
+      </p:ext>
+    </p:extLst>
+  </p:cSld>
+  <p:clrMapOvr>
+    <a:masterClrMapping/>
+  </p:clrMapOvr>
+  <mc:AlternateContent xmlns:mc="http://schemas.openxmlformats.org/markup-compatibility/2006" xmlns:p14="http://schemas.microsoft.com/office/powerpoint/2010/main">
+    <mc:Choice Requires="p14">
+      <p:transition spd="med" p14:dur="700">
+        <p:fade/>
+      </p:transition>
+    </mc:Choice>
+    <mc:Fallback xmlns="">
+      <p:transition spd="med">
+        <p:fade/>
+      </p:transition>
+    </mc:Fallback>
+  </mc:AlternateContent>
+  <p:timing>
+    <p:tnLst>
+      <p:par>
+        <p:cTn id="1" dur="indefinite" restart="never" nodeType="tmRoot"/>
+      </p:par>
+    </p:tnLst>
+  </p:timing>
+</p:sld>
+</file>
+
+<file path=ppt/slides/slide3.xml><?xml version="1.0" encoding="utf-8"?>
+<p:sld xmlns:a="http://schemas.openxmlformats.org/drawingml/2006/main" xmlns:r="http://schemas.openxmlformats.org/officeDocument/2006/relationships" xmlns:p="http://schemas.openxmlformats.org/presentationml/2006/main">
+  <p:cSld>
+    <p:spTree>
+      <p:nvGrpSpPr>
+        <p:cNvPr id="1" name=""/>
+        <p:cNvGrpSpPr/>
+        <p:nvPr/>
+      </p:nvGrpSpPr>
+      <p:grpSpPr>
+        <a:xfrm>
+          <a:off x="0" y="0"/>
+          <a:ext cx="0" cy="0"/>
+          <a:chOff x="0" y="0"/>
+          <a:chExt cx="0" cy="0"/>
+        </a:xfrm>
+      </p:grpSpPr>
+      <p:pic>
+        <p:nvPicPr>
           <p:cNvPr id="3" name="Picture 2"/>
           <p:cNvPicPr>
             <a:picLocks noChangeAspect="1"/>
@@ -3525,7 +3911,7 @@
           <p:cNvPr id="2" name="Group 1">
             <a:extLst>
               <a:ext uri="{FF2B5EF4-FFF2-40B4-BE49-F238E27FC236}">
-                <a16:creationId xmlns="" xmlns:a16="http://schemas.microsoft.com/office/drawing/2014/main" id="{AFB5539E-9F87-4F16-BA84-99727D7DEDEC}"/>
+                <a16:creationId xmlns:a16="http://schemas.microsoft.com/office/drawing/2014/main" xmlns="" id="{AFB5539E-9F87-4F16-BA84-99727D7DEDEC}"/>
               </a:ext>
             </a:extLst>
           </p:cNvPr>
@@ -3928,7 +4314,7 @@
             <p:cNvPr id="96" name="TextBox 95">
               <a:extLst>
                 <a:ext uri="{FF2B5EF4-FFF2-40B4-BE49-F238E27FC236}">
-                  <a16:creationId xmlns="" xmlns:a16="http://schemas.microsoft.com/office/drawing/2014/main" id="{8D1A075D-964B-4005-9D84-409E89B43BA2}"/>
+                  <a16:creationId xmlns:a16="http://schemas.microsoft.com/office/drawing/2014/main" xmlns="" id="{8D1A075D-964B-4005-9D84-409E89B43BA2}"/>
                 </a:ext>
               </a:extLst>
             </p:cNvPr>
@@ -3972,7 +4358,7 @@
             <p:cNvPr id="123" name="TextBox 122">
               <a:extLst>
                 <a:ext uri="{FF2B5EF4-FFF2-40B4-BE49-F238E27FC236}">
-                  <a16:creationId xmlns="" xmlns:a16="http://schemas.microsoft.com/office/drawing/2014/main" id="{7FC13A6C-A90F-4710-A2D9-6C8D802FB483}"/>
+                  <a16:creationId xmlns:a16="http://schemas.microsoft.com/office/drawing/2014/main" xmlns="" id="{7FC13A6C-A90F-4710-A2D9-6C8D802FB483}"/>
                 </a:ext>
               </a:extLst>
             </p:cNvPr>
@@ -4016,7 +4402,7 @@
           <p:cNvPr id="25" name="Group 24">
             <a:extLst>
               <a:ext uri="{FF2B5EF4-FFF2-40B4-BE49-F238E27FC236}">
-                <a16:creationId xmlns="" xmlns:a16="http://schemas.microsoft.com/office/drawing/2014/main" id="{79BC88F8-8827-4E23-B62F-1D2FCA25A51C}"/>
+                <a16:creationId xmlns:a16="http://schemas.microsoft.com/office/drawing/2014/main" xmlns="" id="{79BC88F8-8827-4E23-B62F-1D2FCA25A51C}"/>
               </a:ext>
             </a:extLst>
           </p:cNvPr>
@@ -4036,7 +4422,7 @@
             <p:cNvPr id="30" name="Group 29">
               <a:extLst>
                 <a:ext uri="{FF2B5EF4-FFF2-40B4-BE49-F238E27FC236}">
-                  <a16:creationId xmlns="" xmlns:a16="http://schemas.microsoft.com/office/drawing/2014/main" id="{DFE08800-98D0-4D7B-9D2D-4A209B056808}"/>
+                  <a16:creationId xmlns:a16="http://schemas.microsoft.com/office/drawing/2014/main" xmlns="" id="{DFE08800-98D0-4D7B-9D2D-4A209B056808}"/>
                 </a:ext>
               </a:extLst>
             </p:cNvPr>
@@ -4056,7 +4442,7 @@
               <p:cNvPr id="32" name="Group 31">
                 <a:extLst>
                   <a:ext uri="{FF2B5EF4-FFF2-40B4-BE49-F238E27FC236}">
-                    <a16:creationId xmlns="" xmlns:a16="http://schemas.microsoft.com/office/drawing/2014/main" id="{AE71805E-9D2C-4B4A-893B-906D6EF27CB5}"/>
+                    <a16:creationId xmlns:a16="http://schemas.microsoft.com/office/drawing/2014/main" xmlns="" id="{AE71805E-9D2C-4B4A-893B-906D6EF27CB5}"/>
                   </a:ext>
                 </a:extLst>
               </p:cNvPr>
@@ -4076,7 +4462,7 @@
                 <p:cNvPr id="36" name="Oval 35">
                   <a:extLst>
                     <a:ext uri="{FF2B5EF4-FFF2-40B4-BE49-F238E27FC236}">
-                      <a16:creationId xmlns="" xmlns:a16="http://schemas.microsoft.com/office/drawing/2014/main" id="{4F8D708F-A651-4889-BE36-520D7985AA6F}"/>
+                      <a16:creationId xmlns:a16="http://schemas.microsoft.com/office/drawing/2014/main" xmlns="" id="{4F8D708F-A651-4889-BE36-520D7985AA6F}"/>
                     </a:ext>
                   </a:extLst>
                 </p:cNvPr>
@@ -4133,7 +4519,7 @@
                 <p:cNvPr id="37" name="Oval 36">
                   <a:extLst>
                     <a:ext uri="{FF2B5EF4-FFF2-40B4-BE49-F238E27FC236}">
-                      <a16:creationId xmlns="" xmlns:a16="http://schemas.microsoft.com/office/drawing/2014/main" id="{06B17F9C-980C-46E5-8382-B83E3A6D8661}"/>
+                      <a16:creationId xmlns:a16="http://schemas.microsoft.com/office/drawing/2014/main" xmlns="" id="{06B17F9C-980C-46E5-8382-B83E3A6D8661}"/>
                     </a:ext>
                   </a:extLst>
                 </p:cNvPr>
@@ -4190,7 +4576,7 @@
                 <p:cNvPr id="38" name="Oval 37">
                   <a:extLst>
                     <a:ext uri="{FF2B5EF4-FFF2-40B4-BE49-F238E27FC236}">
-                      <a16:creationId xmlns="" xmlns:a16="http://schemas.microsoft.com/office/drawing/2014/main" id="{E963169B-6C58-4DBA-BE20-C599E305B034}"/>
+                      <a16:creationId xmlns:a16="http://schemas.microsoft.com/office/drawing/2014/main" xmlns="" id="{E963169B-6C58-4DBA-BE20-C599E305B034}"/>
                     </a:ext>
                   </a:extLst>
                 </p:cNvPr>
@@ -4248,7 +4634,7 @@
                 <p:cNvPr id="39" name="Oval 38">
                   <a:extLst>
                     <a:ext uri="{FF2B5EF4-FFF2-40B4-BE49-F238E27FC236}">
-                      <a16:creationId xmlns="" xmlns:a16="http://schemas.microsoft.com/office/drawing/2014/main" id="{5A87E780-B71E-4FBF-9498-7D567A6D53A7}"/>
+                      <a16:creationId xmlns:a16="http://schemas.microsoft.com/office/drawing/2014/main" xmlns="" id="{5A87E780-B71E-4FBF-9498-7D567A6D53A7}"/>
                     </a:ext>
                   </a:extLst>
                 </p:cNvPr>
@@ -4310,7 +4696,7 @@
               <p:cNvPr id="33" name="TextBox 32">
                 <a:extLst>
                   <a:ext uri="{FF2B5EF4-FFF2-40B4-BE49-F238E27FC236}">
-                    <a16:creationId xmlns="" xmlns:a16="http://schemas.microsoft.com/office/drawing/2014/main" id="{EA708170-321E-46CF-8EA1-07CCF97AE2E1}"/>
+                    <a16:creationId xmlns:a16="http://schemas.microsoft.com/office/drawing/2014/main" xmlns="" id="{EA708170-321E-46CF-8EA1-07CCF97AE2E1}"/>
                   </a:ext>
                 </a:extLst>
               </p:cNvPr>
@@ -4354,7 +4740,7 @@
               <p:cNvPr id="34" name="TextBox 33">
                 <a:extLst>
                   <a:ext uri="{FF2B5EF4-FFF2-40B4-BE49-F238E27FC236}">
-                    <a16:creationId xmlns="" xmlns:a16="http://schemas.microsoft.com/office/drawing/2014/main" id="{6DA641AC-1D5E-4808-B466-4A26CFB88262}"/>
+                    <a16:creationId xmlns:a16="http://schemas.microsoft.com/office/drawing/2014/main" xmlns="" id="{6DA641AC-1D5E-4808-B466-4A26CFB88262}"/>
                   </a:ext>
                 </a:extLst>
               </p:cNvPr>
@@ -4398,7 +4784,7 @@
               <p:cNvPr id="35" name="TextBox 34">
                 <a:extLst>
                   <a:ext uri="{FF2B5EF4-FFF2-40B4-BE49-F238E27FC236}">
-                    <a16:creationId xmlns="" xmlns:a16="http://schemas.microsoft.com/office/drawing/2014/main" id="{EE2B61B5-7684-49C0-9906-EB0117114C82}"/>
+                    <a16:creationId xmlns:a16="http://schemas.microsoft.com/office/drawing/2014/main" xmlns="" id="{EE2B61B5-7684-49C0-9906-EB0117114C82}"/>
                   </a:ext>
                 </a:extLst>
               </p:cNvPr>
@@ -4439,7 +4825,7 @@
             <p:cNvPr id="31" name="TextBox 30">
               <a:extLst>
                 <a:ext uri="{FF2B5EF4-FFF2-40B4-BE49-F238E27FC236}">
-                  <a16:creationId xmlns="" xmlns:a16="http://schemas.microsoft.com/office/drawing/2014/main" id="{C75CBEE4-98E1-481B-A2FB-D30736FCEA45}"/>
+                  <a16:creationId xmlns:a16="http://schemas.microsoft.com/office/drawing/2014/main" xmlns="" id="{C75CBEE4-98E1-481B-A2FB-D30736FCEA45}"/>
                 </a:ext>
               </a:extLst>
             </p:cNvPr>
@@ -4484,7 +4870,7 @@
           <p:cNvPr id="40" name="Group 39">
             <a:extLst>
               <a:ext uri="{FF2B5EF4-FFF2-40B4-BE49-F238E27FC236}">
-                <a16:creationId xmlns="" xmlns:a16="http://schemas.microsoft.com/office/drawing/2014/main" id="{0C264D77-77ED-4C50-9078-D9588FCAE302}"/>
+                <a16:creationId xmlns:a16="http://schemas.microsoft.com/office/drawing/2014/main" xmlns="" id="{0C264D77-77ED-4C50-9078-D9588FCAE302}"/>
               </a:ext>
             </a:extLst>
           </p:cNvPr>
@@ -4504,7 +4890,7 @@
             <p:cNvPr id="41" name="Group 40">
               <a:extLst>
                 <a:ext uri="{FF2B5EF4-FFF2-40B4-BE49-F238E27FC236}">
-                  <a16:creationId xmlns="" xmlns:a16="http://schemas.microsoft.com/office/drawing/2014/main" id="{B4C4485E-0D59-4AB0-B0A4-74A1DD1834E6}"/>
+                  <a16:creationId xmlns:a16="http://schemas.microsoft.com/office/drawing/2014/main" xmlns="" id="{B4C4485E-0D59-4AB0-B0A4-74A1DD1834E6}"/>
                 </a:ext>
               </a:extLst>
             </p:cNvPr>
@@ -4524,7 +4910,7 @@
               <p:cNvPr id="43" name="Group 42">
                 <a:extLst>
                   <a:ext uri="{FF2B5EF4-FFF2-40B4-BE49-F238E27FC236}">
-                    <a16:creationId xmlns="" xmlns:a16="http://schemas.microsoft.com/office/drawing/2014/main" id="{72BDA222-9848-4E26-BEE2-6574659C2580}"/>
+                    <a16:creationId xmlns:a16="http://schemas.microsoft.com/office/drawing/2014/main" xmlns="" id="{72BDA222-9848-4E26-BEE2-6574659C2580}"/>
                   </a:ext>
                 </a:extLst>
               </p:cNvPr>
@@ -4544,7 +4930,7 @@
                 <p:cNvPr id="45" name="Group 44">
                   <a:extLst>
                     <a:ext uri="{FF2B5EF4-FFF2-40B4-BE49-F238E27FC236}">
-                      <a16:creationId xmlns="" xmlns:a16="http://schemas.microsoft.com/office/drawing/2014/main" id="{D903E7EA-24E1-4D93-914D-A68B039D5F3D}"/>
+                      <a16:creationId xmlns:a16="http://schemas.microsoft.com/office/drawing/2014/main" xmlns="" id="{D903E7EA-24E1-4D93-914D-A68B039D5F3D}"/>
                     </a:ext>
                   </a:extLst>
                 </p:cNvPr>
@@ -4564,7 +4950,7 @@
                   <p:cNvPr id="52" name="Oval 51">
                     <a:extLst>
                       <a:ext uri="{FF2B5EF4-FFF2-40B4-BE49-F238E27FC236}">
-                        <a16:creationId xmlns="" xmlns:a16="http://schemas.microsoft.com/office/drawing/2014/main" id="{C2F43FC0-C549-4856-8921-A7E64B0F39C5}"/>
+                        <a16:creationId xmlns:a16="http://schemas.microsoft.com/office/drawing/2014/main" xmlns="" id="{C2F43FC0-C549-4856-8921-A7E64B0F39C5}"/>
                       </a:ext>
                     </a:extLst>
                   </p:cNvPr>
@@ -4621,7 +5007,7 @@
                   <p:cNvPr id="54" name="Oval 53">
                     <a:extLst>
                       <a:ext uri="{FF2B5EF4-FFF2-40B4-BE49-F238E27FC236}">
-                        <a16:creationId xmlns="" xmlns:a16="http://schemas.microsoft.com/office/drawing/2014/main" id="{51D6D3D3-8047-4691-9EA0-34F877FC6C15}"/>
+                        <a16:creationId xmlns:a16="http://schemas.microsoft.com/office/drawing/2014/main" xmlns="" id="{51D6D3D3-8047-4691-9EA0-34F877FC6C15}"/>
                       </a:ext>
                     </a:extLst>
                   </p:cNvPr>
@@ -4678,7 +5064,7 @@
                   <p:cNvPr id="55" name="Oval 54">
                     <a:extLst>
                       <a:ext uri="{FF2B5EF4-FFF2-40B4-BE49-F238E27FC236}">
-                        <a16:creationId xmlns="" xmlns:a16="http://schemas.microsoft.com/office/drawing/2014/main" id="{49301636-2137-4DA6-97FA-F12DB9822206}"/>
+                        <a16:creationId xmlns:a16="http://schemas.microsoft.com/office/drawing/2014/main" xmlns="" id="{49301636-2137-4DA6-97FA-F12DB9822206}"/>
                       </a:ext>
                     </a:extLst>
                   </p:cNvPr>
@@ -4736,7 +5122,7 @@
                   <p:cNvPr id="56" name="Oval 55">
                     <a:extLst>
                       <a:ext uri="{FF2B5EF4-FFF2-40B4-BE49-F238E27FC236}">
-                        <a16:creationId xmlns="" xmlns:a16="http://schemas.microsoft.com/office/drawing/2014/main" id="{7A908F5C-AB6F-423E-B6A4-B701D6947F28}"/>
+                        <a16:creationId xmlns:a16="http://schemas.microsoft.com/office/drawing/2014/main" xmlns="" id="{7A908F5C-AB6F-423E-B6A4-B701D6947F28}"/>
                       </a:ext>
                     </a:extLst>
                   </p:cNvPr>
@@ -4798,7 +5184,7 @@
                 <p:cNvPr id="46" name="TextBox 45">
                   <a:extLst>
                     <a:ext uri="{FF2B5EF4-FFF2-40B4-BE49-F238E27FC236}">
-                      <a16:creationId xmlns="" xmlns:a16="http://schemas.microsoft.com/office/drawing/2014/main" id="{C95ECD21-DB51-48EC-AE7B-C786BD07934A}"/>
+                      <a16:creationId xmlns:a16="http://schemas.microsoft.com/office/drawing/2014/main" xmlns="" id="{C95ECD21-DB51-48EC-AE7B-C786BD07934A}"/>
                     </a:ext>
                   </a:extLst>
                 </p:cNvPr>
@@ -4838,7 +5224,7 @@
                 <p:cNvPr id="47" name="TextBox 46">
                   <a:extLst>
                     <a:ext uri="{FF2B5EF4-FFF2-40B4-BE49-F238E27FC236}">
-                      <a16:creationId xmlns="" xmlns:a16="http://schemas.microsoft.com/office/drawing/2014/main" id="{E5B5A626-B60C-4ABF-BAC2-E00677A5E0A5}"/>
+                      <a16:creationId xmlns:a16="http://schemas.microsoft.com/office/drawing/2014/main" xmlns="" id="{E5B5A626-B60C-4ABF-BAC2-E00677A5E0A5}"/>
                     </a:ext>
                   </a:extLst>
                 </p:cNvPr>
@@ -4883,7 +5269,7 @@
               <p:cNvPr id="44" name="TextBox 43">
                 <a:extLst>
                   <a:ext uri="{FF2B5EF4-FFF2-40B4-BE49-F238E27FC236}">
-                    <a16:creationId xmlns="" xmlns:a16="http://schemas.microsoft.com/office/drawing/2014/main" id="{B0C7B0D5-BCE0-4101-84A1-DC4A0D11F928}"/>
+                    <a16:creationId xmlns:a16="http://schemas.microsoft.com/office/drawing/2014/main" xmlns="" id="{B0C7B0D5-BCE0-4101-84A1-DC4A0D11F928}"/>
                   </a:ext>
                 </a:extLst>
               </p:cNvPr>
@@ -4924,7 +5310,7 @@
             <p:cNvPr id="42" name="TextBox 41">
               <a:extLst>
                 <a:ext uri="{FF2B5EF4-FFF2-40B4-BE49-F238E27FC236}">
-                  <a16:creationId xmlns="" xmlns:a16="http://schemas.microsoft.com/office/drawing/2014/main" id="{2C986E37-CCFD-44EC-A0A3-2B0105C1883E}"/>
+                  <a16:creationId xmlns:a16="http://schemas.microsoft.com/office/drawing/2014/main" xmlns="" id="{2C986E37-CCFD-44EC-A0A3-2B0105C1883E}"/>
                 </a:ext>
               </a:extLst>
             </p:cNvPr>
@@ -4969,7 +5355,7 @@
           <p:cNvPr id="57" name="Group 56">
             <a:extLst>
               <a:ext uri="{FF2B5EF4-FFF2-40B4-BE49-F238E27FC236}">
-                <a16:creationId xmlns="" xmlns:a16="http://schemas.microsoft.com/office/drawing/2014/main" id="{6172E669-0C84-480F-B4D0-37F8C37E17B3}"/>
+                <a16:creationId xmlns:a16="http://schemas.microsoft.com/office/drawing/2014/main" xmlns="" id="{6172E669-0C84-480F-B4D0-37F8C37E17B3}"/>
               </a:ext>
             </a:extLst>
           </p:cNvPr>
@@ -4989,7 +5375,7 @@
             <p:cNvPr id="58" name="Group 57">
               <a:extLst>
                 <a:ext uri="{FF2B5EF4-FFF2-40B4-BE49-F238E27FC236}">
-                  <a16:creationId xmlns="" xmlns:a16="http://schemas.microsoft.com/office/drawing/2014/main" id="{D7958CB9-7843-462F-BA3B-5D623FA96BAC}"/>
+                  <a16:creationId xmlns:a16="http://schemas.microsoft.com/office/drawing/2014/main" xmlns="" id="{D7958CB9-7843-462F-BA3B-5D623FA96BAC}"/>
                 </a:ext>
               </a:extLst>
             </p:cNvPr>
@@ -5009,7 +5395,7 @@
               <p:cNvPr id="60" name="Group 59">
                 <a:extLst>
                   <a:ext uri="{FF2B5EF4-FFF2-40B4-BE49-F238E27FC236}">
-                    <a16:creationId xmlns="" xmlns:a16="http://schemas.microsoft.com/office/drawing/2014/main" id="{1589486B-CC81-4834-BCE0-3E29F0CFCAC2}"/>
+                    <a16:creationId xmlns:a16="http://schemas.microsoft.com/office/drawing/2014/main" xmlns="" id="{1589486B-CC81-4834-BCE0-3E29F0CFCAC2}"/>
                   </a:ext>
                 </a:extLst>
               </p:cNvPr>
@@ -5029,7 +5415,7 @@
                 <p:cNvPr id="62" name="Group 61">
                   <a:extLst>
                     <a:ext uri="{FF2B5EF4-FFF2-40B4-BE49-F238E27FC236}">
-                      <a16:creationId xmlns="" xmlns:a16="http://schemas.microsoft.com/office/drawing/2014/main" id="{024EDD71-2465-47E5-A6AC-2C9C6EAB24EB}"/>
+                      <a16:creationId xmlns:a16="http://schemas.microsoft.com/office/drawing/2014/main" xmlns="" id="{024EDD71-2465-47E5-A6AC-2C9C6EAB24EB}"/>
                     </a:ext>
                   </a:extLst>
                 </p:cNvPr>
@@ -5049,7 +5435,7 @@
                   <p:cNvPr id="65" name="Oval 64">
                     <a:extLst>
                       <a:ext uri="{FF2B5EF4-FFF2-40B4-BE49-F238E27FC236}">
-                        <a16:creationId xmlns="" xmlns:a16="http://schemas.microsoft.com/office/drawing/2014/main" id="{69680FB8-66D2-4D99-BAB3-62BCD2D0BFF7}"/>
+                        <a16:creationId xmlns:a16="http://schemas.microsoft.com/office/drawing/2014/main" xmlns="" id="{69680FB8-66D2-4D99-BAB3-62BCD2D0BFF7}"/>
                       </a:ext>
                     </a:extLst>
                   </p:cNvPr>
@@ -5106,7 +5492,7 @@
                   <p:cNvPr id="66" name="Oval 65">
                     <a:extLst>
                       <a:ext uri="{FF2B5EF4-FFF2-40B4-BE49-F238E27FC236}">
-                        <a16:creationId xmlns="" xmlns:a16="http://schemas.microsoft.com/office/drawing/2014/main" id="{E598F5E5-E123-4599-AC9D-9E662BC4BD20}"/>
+                        <a16:creationId xmlns:a16="http://schemas.microsoft.com/office/drawing/2014/main" xmlns="" id="{E598F5E5-E123-4599-AC9D-9E662BC4BD20}"/>
                       </a:ext>
                     </a:extLst>
                   </p:cNvPr>
@@ -5163,7 +5549,7 @@
                   <p:cNvPr id="67" name="Oval 66">
                     <a:extLst>
                       <a:ext uri="{FF2B5EF4-FFF2-40B4-BE49-F238E27FC236}">
-                        <a16:creationId xmlns="" xmlns:a16="http://schemas.microsoft.com/office/drawing/2014/main" id="{2122066F-BB99-4D98-8FA1-5A7509C4DE05}"/>
+                        <a16:creationId xmlns:a16="http://schemas.microsoft.com/office/drawing/2014/main" xmlns="" id="{2122066F-BB99-4D98-8FA1-5A7509C4DE05}"/>
                       </a:ext>
                     </a:extLst>
                   </p:cNvPr>
@@ -5221,7 +5607,7 @@
                   <p:cNvPr id="68" name="Oval 67">
                     <a:extLst>
                       <a:ext uri="{FF2B5EF4-FFF2-40B4-BE49-F238E27FC236}">
-                        <a16:creationId xmlns="" xmlns:a16="http://schemas.microsoft.com/office/drawing/2014/main" id="{28FF4018-9841-4E38-AD2A-1E2017A1F6EE}"/>
+                        <a16:creationId xmlns:a16="http://schemas.microsoft.com/office/drawing/2014/main" xmlns="" id="{28FF4018-9841-4E38-AD2A-1E2017A1F6EE}"/>
                       </a:ext>
                     </a:extLst>
                   </p:cNvPr>
@@ -5283,7 +5669,7 @@
                 <p:cNvPr id="63" name="TextBox 62">
                   <a:extLst>
                     <a:ext uri="{FF2B5EF4-FFF2-40B4-BE49-F238E27FC236}">
-                      <a16:creationId xmlns="" xmlns:a16="http://schemas.microsoft.com/office/drawing/2014/main" id="{3C65F029-D30A-409D-8DE0-2AEC7FABCD39}"/>
+                      <a16:creationId xmlns:a16="http://schemas.microsoft.com/office/drawing/2014/main" xmlns="" id="{3C65F029-D30A-409D-8DE0-2AEC7FABCD39}"/>
                     </a:ext>
                   </a:extLst>
                 </p:cNvPr>
@@ -5323,7 +5709,7 @@
                 <p:cNvPr id="64" name="TextBox 63">
                   <a:extLst>
                     <a:ext uri="{FF2B5EF4-FFF2-40B4-BE49-F238E27FC236}">
-                      <a16:creationId xmlns="" xmlns:a16="http://schemas.microsoft.com/office/drawing/2014/main" id="{19491279-FDE4-4177-ABC7-4FE6828EC23F}"/>
+                      <a16:creationId xmlns:a16="http://schemas.microsoft.com/office/drawing/2014/main" xmlns="" id="{19491279-FDE4-4177-ABC7-4FE6828EC23F}"/>
                     </a:ext>
                   </a:extLst>
                 </p:cNvPr>
@@ -5364,7 +5750,7 @@
               <p:cNvPr id="61" name="TextBox 60">
                 <a:extLst>
                   <a:ext uri="{FF2B5EF4-FFF2-40B4-BE49-F238E27FC236}">
-                    <a16:creationId xmlns="" xmlns:a16="http://schemas.microsoft.com/office/drawing/2014/main" id="{DFA863E0-51CC-4A85-B421-8753FDA2BED6}"/>
+                    <a16:creationId xmlns:a16="http://schemas.microsoft.com/office/drawing/2014/main" xmlns="" id="{DFA863E0-51CC-4A85-B421-8753FDA2BED6}"/>
                   </a:ext>
                 </a:extLst>
               </p:cNvPr>
@@ -5405,7 +5791,7 @@
             <p:cNvPr id="59" name="TextBox 58">
               <a:extLst>
                 <a:ext uri="{FF2B5EF4-FFF2-40B4-BE49-F238E27FC236}">
-                  <a16:creationId xmlns="" xmlns:a16="http://schemas.microsoft.com/office/drawing/2014/main" id="{DD09A2CC-70F9-46EB-96F3-23E5D146D6DB}"/>
+                  <a16:creationId xmlns:a16="http://schemas.microsoft.com/office/drawing/2014/main" xmlns="" id="{DD09A2CC-70F9-46EB-96F3-23E5D146D6DB}"/>
                 </a:ext>
               </a:extLst>
             </p:cNvPr>
@@ -5450,7 +5836,7 @@
           <p:cNvPr id="69" name="Group 68">
             <a:extLst>
               <a:ext uri="{FF2B5EF4-FFF2-40B4-BE49-F238E27FC236}">
-                <a16:creationId xmlns="" xmlns:a16="http://schemas.microsoft.com/office/drawing/2014/main" id="{63A5CEB2-DC7C-41BA-B258-91F0D02711AA}"/>
+                <a16:creationId xmlns:a16="http://schemas.microsoft.com/office/drawing/2014/main" xmlns="" id="{63A5CEB2-DC7C-41BA-B258-91F0D02711AA}"/>
               </a:ext>
             </a:extLst>
           </p:cNvPr>
@@ -5470,7 +5856,7 @@
             <p:cNvPr id="70" name="Group 69">
               <a:extLst>
                 <a:ext uri="{FF2B5EF4-FFF2-40B4-BE49-F238E27FC236}">
-                  <a16:creationId xmlns="" xmlns:a16="http://schemas.microsoft.com/office/drawing/2014/main" id="{5BB46108-4114-42A0-AA0E-B7ED860FEEA8}"/>
+                  <a16:creationId xmlns:a16="http://schemas.microsoft.com/office/drawing/2014/main" xmlns="" id="{5BB46108-4114-42A0-AA0E-B7ED860FEEA8}"/>
                 </a:ext>
               </a:extLst>
             </p:cNvPr>
@@ -5490,7 +5876,7 @@
               <p:cNvPr id="72" name="Group 71">
                 <a:extLst>
                   <a:ext uri="{FF2B5EF4-FFF2-40B4-BE49-F238E27FC236}">
-                    <a16:creationId xmlns="" xmlns:a16="http://schemas.microsoft.com/office/drawing/2014/main" id="{9E8C7DF2-A39A-42E2-8254-137400028F4D}"/>
+                    <a16:creationId xmlns:a16="http://schemas.microsoft.com/office/drawing/2014/main" xmlns="" id="{9E8C7DF2-A39A-42E2-8254-137400028F4D}"/>
                   </a:ext>
                 </a:extLst>
               </p:cNvPr>
@@ -5510,7 +5896,7 @@
                 <p:cNvPr id="74" name="Group 73">
                   <a:extLst>
                     <a:ext uri="{FF2B5EF4-FFF2-40B4-BE49-F238E27FC236}">
-                      <a16:creationId xmlns="" xmlns:a16="http://schemas.microsoft.com/office/drawing/2014/main" id="{C756AE42-2360-4676-92F7-D1D5FC5062E4}"/>
+                      <a16:creationId xmlns:a16="http://schemas.microsoft.com/office/drawing/2014/main" xmlns="" id="{C756AE42-2360-4676-92F7-D1D5FC5062E4}"/>
                     </a:ext>
                   </a:extLst>
                 </p:cNvPr>
@@ -5530,7 +5916,7 @@
                   <p:cNvPr id="77" name="Oval 76">
                     <a:extLst>
                       <a:ext uri="{FF2B5EF4-FFF2-40B4-BE49-F238E27FC236}">
-                        <a16:creationId xmlns="" xmlns:a16="http://schemas.microsoft.com/office/drawing/2014/main" id="{68A84D6A-9A25-46B5-ACE6-0F0FFCE3529E}"/>
+                        <a16:creationId xmlns:a16="http://schemas.microsoft.com/office/drawing/2014/main" xmlns="" id="{68A84D6A-9A25-46B5-ACE6-0F0FFCE3529E}"/>
                       </a:ext>
                     </a:extLst>
                   </p:cNvPr>
@@ -5587,7 +5973,7 @@
                   <p:cNvPr id="78" name="Oval 77">
                     <a:extLst>
                       <a:ext uri="{FF2B5EF4-FFF2-40B4-BE49-F238E27FC236}">
-                        <a16:creationId xmlns="" xmlns:a16="http://schemas.microsoft.com/office/drawing/2014/main" id="{559632C6-330D-41FB-823F-AB43D839BD3F}"/>
+                        <a16:creationId xmlns:a16="http://schemas.microsoft.com/office/drawing/2014/main" xmlns="" id="{559632C6-330D-41FB-823F-AB43D839BD3F}"/>
                       </a:ext>
                     </a:extLst>
                   </p:cNvPr>
@@ -5644,7 +6030,7 @@
                   <p:cNvPr id="79" name="Oval 78">
                     <a:extLst>
                       <a:ext uri="{FF2B5EF4-FFF2-40B4-BE49-F238E27FC236}">
-                        <a16:creationId xmlns="" xmlns:a16="http://schemas.microsoft.com/office/drawing/2014/main" id="{A7E3E3EF-43B0-4B4D-BE5F-77EE7B997F02}"/>
+                        <a16:creationId xmlns:a16="http://schemas.microsoft.com/office/drawing/2014/main" xmlns="" id="{A7E3E3EF-43B0-4B4D-BE5F-77EE7B997F02}"/>
                       </a:ext>
                     </a:extLst>
                   </p:cNvPr>
@@ -5702,7 +6088,7 @@
                   <p:cNvPr id="80" name="Oval 79">
                     <a:extLst>
                       <a:ext uri="{FF2B5EF4-FFF2-40B4-BE49-F238E27FC236}">
-                        <a16:creationId xmlns="" xmlns:a16="http://schemas.microsoft.com/office/drawing/2014/main" id="{76135C05-B2B3-4BFD-86D2-6F1F849E25DD}"/>
+                        <a16:creationId xmlns:a16="http://schemas.microsoft.com/office/drawing/2014/main" xmlns="" id="{76135C05-B2B3-4BFD-86D2-6F1F849E25DD}"/>
                       </a:ext>
                     </a:extLst>
                   </p:cNvPr>
@@ -5764,7 +6150,7 @@
                 <p:cNvPr id="75" name="TextBox 74">
                   <a:extLst>
                     <a:ext uri="{FF2B5EF4-FFF2-40B4-BE49-F238E27FC236}">
-                      <a16:creationId xmlns="" xmlns:a16="http://schemas.microsoft.com/office/drawing/2014/main" id="{1C1547DF-5385-4AAE-AF5D-720A02624C9B}"/>
+                      <a16:creationId xmlns:a16="http://schemas.microsoft.com/office/drawing/2014/main" xmlns="" id="{1C1547DF-5385-4AAE-AF5D-720A02624C9B}"/>
                     </a:ext>
                   </a:extLst>
                 </p:cNvPr>
@@ -5804,7 +6190,7 @@
                 <p:cNvPr id="76" name="TextBox 75">
                   <a:extLst>
                     <a:ext uri="{FF2B5EF4-FFF2-40B4-BE49-F238E27FC236}">
-                      <a16:creationId xmlns="" xmlns:a16="http://schemas.microsoft.com/office/drawing/2014/main" id="{A36D01E8-18DC-4975-B808-15A72D8A2681}"/>
+                      <a16:creationId xmlns:a16="http://schemas.microsoft.com/office/drawing/2014/main" xmlns="" id="{A36D01E8-18DC-4975-B808-15A72D8A2681}"/>
                     </a:ext>
                   </a:extLst>
                 </p:cNvPr>
@@ -5845,7 +6231,7 @@
               <p:cNvPr id="73" name="TextBox 72">
                 <a:extLst>
                   <a:ext uri="{FF2B5EF4-FFF2-40B4-BE49-F238E27FC236}">
-                    <a16:creationId xmlns="" xmlns:a16="http://schemas.microsoft.com/office/drawing/2014/main" id="{00B5F9ED-AECA-4891-9995-86230A56B813}"/>
+                    <a16:creationId xmlns:a16="http://schemas.microsoft.com/office/drawing/2014/main" xmlns="" id="{00B5F9ED-AECA-4891-9995-86230A56B813}"/>
                   </a:ext>
                 </a:extLst>
               </p:cNvPr>
@@ -5885,7 +6271,7 @@
             <p:cNvPr id="71" name="TextBox 70">
               <a:extLst>
                 <a:ext uri="{FF2B5EF4-FFF2-40B4-BE49-F238E27FC236}">
-                  <a16:creationId xmlns="" xmlns:a16="http://schemas.microsoft.com/office/drawing/2014/main" id="{D09EF65C-57D9-4BBE-8E46-F76D7392B51B}"/>
+                  <a16:creationId xmlns:a16="http://schemas.microsoft.com/office/drawing/2014/main" xmlns="" id="{D09EF65C-57D9-4BBE-8E46-F76D7392B51B}"/>
                 </a:ext>
               </a:extLst>
             </p:cNvPr>
@@ -5930,7 +6316,7 @@
           <p:cNvPr id="81" name="Group 80">
             <a:extLst>
               <a:ext uri="{FF2B5EF4-FFF2-40B4-BE49-F238E27FC236}">
-                <a16:creationId xmlns="" xmlns:a16="http://schemas.microsoft.com/office/drawing/2014/main" id="{2A04061C-4A9D-4367-A463-1D80B0E5FA86}"/>
+                <a16:creationId xmlns:a16="http://schemas.microsoft.com/office/drawing/2014/main" xmlns="" id="{2A04061C-4A9D-4367-A463-1D80B0E5FA86}"/>
               </a:ext>
             </a:extLst>
           </p:cNvPr>
@@ -5950,7 +6336,7 @@
             <p:cNvPr id="82" name="Group 81">
               <a:extLst>
                 <a:ext uri="{FF2B5EF4-FFF2-40B4-BE49-F238E27FC236}">
-                  <a16:creationId xmlns="" xmlns:a16="http://schemas.microsoft.com/office/drawing/2014/main" id="{45235B47-2D23-40AB-930F-A57AD944434E}"/>
+                  <a16:creationId xmlns:a16="http://schemas.microsoft.com/office/drawing/2014/main" xmlns="" id="{45235B47-2D23-40AB-930F-A57AD944434E}"/>
                 </a:ext>
               </a:extLst>
             </p:cNvPr>
@@ -5970,7 +6356,7 @@
               <p:cNvPr id="84" name="Group 83">
                 <a:extLst>
                   <a:ext uri="{FF2B5EF4-FFF2-40B4-BE49-F238E27FC236}">
-                    <a16:creationId xmlns="" xmlns:a16="http://schemas.microsoft.com/office/drawing/2014/main" id="{813CE9B1-FE5C-4148-97F5-2C31F79DB8CC}"/>
+                    <a16:creationId xmlns:a16="http://schemas.microsoft.com/office/drawing/2014/main" xmlns="" id="{813CE9B1-FE5C-4148-97F5-2C31F79DB8CC}"/>
                   </a:ext>
                 </a:extLst>
               </p:cNvPr>
@@ -5990,7 +6376,7 @@
                 <p:cNvPr id="86" name="Group 85">
                   <a:extLst>
                     <a:ext uri="{FF2B5EF4-FFF2-40B4-BE49-F238E27FC236}">
-                      <a16:creationId xmlns="" xmlns:a16="http://schemas.microsoft.com/office/drawing/2014/main" id="{CF1BDC8A-BAB3-4522-9F97-33C0FEF3C393}"/>
+                      <a16:creationId xmlns:a16="http://schemas.microsoft.com/office/drawing/2014/main" xmlns="" id="{CF1BDC8A-BAB3-4522-9F97-33C0FEF3C393}"/>
                     </a:ext>
                   </a:extLst>
                 </p:cNvPr>
@@ -6010,7 +6396,7 @@
                   <p:cNvPr id="88" name="Group 87">
                     <a:extLst>
                       <a:ext uri="{FF2B5EF4-FFF2-40B4-BE49-F238E27FC236}">
-                        <a16:creationId xmlns="" xmlns:a16="http://schemas.microsoft.com/office/drawing/2014/main" id="{B06A5FD4-698F-42BF-BAD1-F3A1FD142E38}"/>
+                        <a16:creationId xmlns:a16="http://schemas.microsoft.com/office/drawing/2014/main" xmlns="" id="{B06A5FD4-698F-42BF-BAD1-F3A1FD142E38}"/>
                       </a:ext>
                     </a:extLst>
                   </p:cNvPr>
@@ -6030,7 +6416,7 @@
                     <p:cNvPr id="92" name="Oval 91">
                       <a:extLst>
                         <a:ext uri="{FF2B5EF4-FFF2-40B4-BE49-F238E27FC236}">
-                          <a16:creationId xmlns="" xmlns:a16="http://schemas.microsoft.com/office/drawing/2014/main" id="{6FB8DF73-690F-48CC-9E6B-5C6C58035808}"/>
+                          <a16:creationId xmlns:a16="http://schemas.microsoft.com/office/drawing/2014/main" xmlns="" id="{6FB8DF73-690F-48CC-9E6B-5C6C58035808}"/>
                         </a:ext>
                       </a:extLst>
                     </p:cNvPr>
@@ -6087,7 +6473,7 @@
                     <p:cNvPr id="93" name="Oval 92">
                       <a:extLst>
                         <a:ext uri="{FF2B5EF4-FFF2-40B4-BE49-F238E27FC236}">
-                          <a16:creationId xmlns="" xmlns:a16="http://schemas.microsoft.com/office/drawing/2014/main" id="{8B9A1E3F-43ED-4A11-8278-6F517381E215}"/>
+                          <a16:creationId xmlns:a16="http://schemas.microsoft.com/office/drawing/2014/main" xmlns="" id="{8B9A1E3F-43ED-4A11-8278-6F517381E215}"/>
                         </a:ext>
                       </a:extLst>
                     </p:cNvPr>
@@ -6144,7 +6530,7 @@
                     <p:cNvPr id="94" name="Oval 93">
                       <a:extLst>
                         <a:ext uri="{FF2B5EF4-FFF2-40B4-BE49-F238E27FC236}">
-                          <a16:creationId xmlns="" xmlns:a16="http://schemas.microsoft.com/office/drawing/2014/main" id="{6C5F675E-E9ED-4257-A4B1-6967ACFAEEBD}"/>
+                          <a16:creationId xmlns:a16="http://schemas.microsoft.com/office/drawing/2014/main" xmlns="" id="{6C5F675E-E9ED-4257-A4B1-6967ACFAEEBD}"/>
                         </a:ext>
                       </a:extLst>
                     </p:cNvPr>
@@ -6202,7 +6588,7 @@
                     <p:cNvPr id="95" name="Oval 94">
                       <a:extLst>
                         <a:ext uri="{FF2B5EF4-FFF2-40B4-BE49-F238E27FC236}">
-                          <a16:creationId xmlns="" xmlns:a16="http://schemas.microsoft.com/office/drawing/2014/main" id="{8B0019AD-26DD-4D55-B6F3-28C6FA61B22A}"/>
+                          <a16:creationId xmlns:a16="http://schemas.microsoft.com/office/drawing/2014/main" xmlns="" id="{8B0019AD-26DD-4D55-B6F3-28C6FA61B22A}"/>
                         </a:ext>
                       </a:extLst>
                     </p:cNvPr>
@@ -6264,7 +6650,7 @@
                   <p:cNvPr id="89" name="TextBox 88">
                     <a:extLst>
                       <a:ext uri="{FF2B5EF4-FFF2-40B4-BE49-F238E27FC236}">
-                        <a16:creationId xmlns="" xmlns:a16="http://schemas.microsoft.com/office/drawing/2014/main" id="{769F6646-723D-4B62-90E2-4FDD4C0F3BE1}"/>
+                        <a16:creationId xmlns:a16="http://schemas.microsoft.com/office/drawing/2014/main" xmlns="" id="{769F6646-723D-4B62-90E2-4FDD4C0F3BE1}"/>
                       </a:ext>
                     </a:extLst>
                   </p:cNvPr>
@@ -6304,7 +6690,7 @@
                   <p:cNvPr id="90" name="TextBox 89">
                     <a:extLst>
                       <a:ext uri="{FF2B5EF4-FFF2-40B4-BE49-F238E27FC236}">
-                        <a16:creationId xmlns="" xmlns:a16="http://schemas.microsoft.com/office/drawing/2014/main" id="{B5FCEA77-DB72-4B9B-896F-CAF0FBB8824F}"/>
+                        <a16:creationId xmlns:a16="http://schemas.microsoft.com/office/drawing/2014/main" xmlns="" id="{B5FCEA77-DB72-4B9B-896F-CAF0FBB8824F}"/>
                       </a:ext>
                     </a:extLst>
                   </p:cNvPr>
@@ -6345,7 +6731,7 @@
                 <p:cNvPr id="87" name="TextBox 86">
                   <a:extLst>
                     <a:ext uri="{FF2B5EF4-FFF2-40B4-BE49-F238E27FC236}">
-                      <a16:creationId xmlns="" xmlns:a16="http://schemas.microsoft.com/office/drawing/2014/main" id="{E08231CB-4975-45E2-90E2-711E4C0623A6}"/>
+                      <a16:creationId xmlns:a16="http://schemas.microsoft.com/office/drawing/2014/main" xmlns="" id="{E08231CB-4975-45E2-90E2-711E4C0623A6}"/>
                     </a:ext>
                   </a:extLst>
                 </p:cNvPr>
@@ -6386,7 +6772,7 @@
               <p:cNvPr id="85" name="TextBox 84">
                 <a:extLst>
                   <a:ext uri="{FF2B5EF4-FFF2-40B4-BE49-F238E27FC236}">
-                    <a16:creationId xmlns="" xmlns:a16="http://schemas.microsoft.com/office/drawing/2014/main" id="{886800C3-39F3-4CA3-982B-091775F9BEF2}"/>
+                    <a16:creationId xmlns:a16="http://schemas.microsoft.com/office/drawing/2014/main" xmlns="" id="{886800C3-39F3-4CA3-982B-091775F9BEF2}"/>
                   </a:ext>
                 </a:extLst>
               </p:cNvPr>
@@ -6426,7 +6812,7 @@
             <p:cNvPr id="83" name="TextBox 82">
               <a:extLst>
                 <a:ext uri="{FF2B5EF4-FFF2-40B4-BE49-F238E27FC236}">
-                  <a16:creationId xmlns="" xmlns:a16="http://schemas.microsoft.com/office/drawing/2014/main" id="{BFD105B3-ED68-4F24-89BC-2C52177327D7}"/>
+                  <a16:creationId xmlns:a16="http://schemas.microsoft.com/office/drawing/2014/main" xmlns="" id="{BFD105B3-ED68-4F24-89BC-2C52177327D7}"/>
                 </a:ext>
               </a:extLst>
             </p:cNvPr>
@@ -6471,7 +6857,7 @@
           <p:cNvPr id="97" name="Group 96">
             <a:extLst>
               <a:ext uri="{FF2B5EF4-FFF2-40B4-BE49-F238E27FC236}">
-                <a16:creationId xmlns="" xmlns:a16="http://schemas.microsoft.com/office/drawing/2014/main" id="{1DEF5049-24D5-4A7F-A457-1D43B9295BBC}"/>
+                <a16:creationId xmlns:a16="http://schemas.microsoft.com/office/drawing/2014/main" xmlns="" id="{1DEF5049-24D5-4A7F-A457-1D43B9295BBC}"/>
               </a:ext>
             </a:extLst>
           </p:cNvPr>
@@ -6491,7 +6877,7 @@
             <p:cNvPr id="98" name="Group 97">
               <a:extLst>
                 <a:ext uri="{FF2B5EF4-FFF2-40B4-BE49-F238E27FC236}">
-                  <a16:creationId xmlns="" xmlns:a16="http://schemas.microsoft.com/office/drawing/2014/main" id="{329F01C5-BE82-4F40-AFB5-65E18A2E3DD8}"/>
+                  <a16:creationId xmlns:a16="http://schemas.microsoft.com/office/drawing/2014/main" xmlns="" id="{329F01C5-BE82-4F40-AFB5-65E18A2E3DD8}"/>
                 </a:ext>
               </a:extLst>
             </p:cNvPr>
@@ -6511,7 +6897,7 @@
               <p:cNvPr id="101" name="Oval 100">
                 <a:extLst>
                   <a:ext uri="{FF2B5EF4-FFF2-40B4-BE49-F238E27FC236}">
-                    <a16:creationId xmlns="" xmlns:a16="http://schemas.microsoft.com/office/drawing/2014/main" id="{ABD4714A-2318-43D8-8E69-0959044E5993}"/>
+                    <a16:creationId xmlns:a16="http://schemas.microsoft.com/office/drawing/2014/main" xmlns="" id="{ABD4714A-2318-43D8-8E69-0959044E5993}"/>
                   </a:ext>
                 </a:extLst>
               </p:cNvPr>
@@ -6568,7 +6954,7 @@
               <p:cNvPr id="102" name="Oval 101">
                 <a:extLst>
                   <a:ext uri="{FF2B5EF4-FFF2-40B4-BE49-F238E27FC236}">
-                    <a16:creationId xmlns="" xmlns:a16="http://schemas.microsoft.com/office/drawing/2014/main" id="{F52D2641-E7FB-4F26-BC4A-A3E91AA08E1B}"/>
+                    <a16:creationId xmlns:a16="http://schemas.microsoft.com/office/drawing/2014/main" xmlns="" id="{F52D2641-E7FB-4F26-BC4A-A3E91AA08E1B}"/>
                   </a:ext>
                 </a:extLst>
               </p:cNvPr>
@@ -6625,7 +7011,7 @@
               <p:cNvPr id="103" name="Oval 102">
                 <a:extLst>
                   <a:ext uri="{FF2B5EF4-FFF2-40B4-BE49-F238E27FC236}">
-                    <a16:creationId xmlns="" xmlns:a16="http://schemas.microsoft.com/office/drawing/2014/main" id="{52563AA7-4204-4037-A1E5-A157E64FE63B}"/>
+                    <a16:creationId xmlns:a16="http://schemas.microsoft.com/office/drawing/2014/main" xmlns="" id="{52563AA7-4204-4037-A1E5-A157E64FE63B}"/>
                   </a:ext>
                 </a:extLst>
               </p:cNvPr>
@@ -6683,7 +7069,7 @@
               <p:cNvPr id="104" name="Oval 103">
                 <a:extLst>
                   <a:ext uri="{FF2B5EF4-FFF2-40B4-BE49-F238E27FC236}">
-                    <a16:creationId xmlns="" xmlns:a16="http://schemas.microsoft.com/office/drawing/2014/main" id="{8CE94D1A-A119-4F8B-888B-E3C3DFDFA06C}"/>
+                    <a16:creationId xmlns:a16="http://schemas.microsoft.com/office/drawing/2014/main" xmlns="" id="{8CE94D1A-A119-4F8B-888B-E3C3DFDFA06C}"/>
                   </a:ext>
                 </a:extLst>
               </p:cNvPr>
@@ -6745,7 +7131,7 @@
             <p:cNvPr id="99" name="TextBox 98">
               <a:extLst>
                 <a:ext uri="{FF2B5EF4-FFF2-40B4-BE49-F238E27FC236}">
-                  <a16:creationId xmlns="" xmlns:a16="http://schemas.microsoft.com/office/drawing/2014/main" id="{DDFFC7ED-B194-4FC5-91B0-255B2173939F}"/>
+                  <a16:creationId xmlns:a16="http://schemas.microsoft.com/office/drawing/2014/main" xmlns="" id="{DDFFC7ED-B194-4FC5-91B0-255B2173939F}"/>
                 </a:ext>
               </a:extLst>
             </p:cNvPr>
@@ -6822,7 +7208,7 @@
             <p:cNvPr id="100" name="TextBox 99">
               <a:extLst>
                 <a:ext uri="{FF2B5EF4-FFF2-40B4-BE49-F238E27FC236}">
-                  <a16:creationId xmlns="" xmlns:a16="http://schemas.microsoft.com/office/drawing/2014/main" id="{EAD8081A-6C91-42D7-AAC1-FEDD21D02A3C}"/>
+                  <a16:creationId xmlns:a16="http://schemas.microsoft.com/office/drawing/2014/main" xmlns="" id="{EAD8081A-6C91-42D7-AAC1-FEDD21D02A3C}"/>
                 </a:ext>
               </a:extLst>
             </p:cNvPr>
@@ -6863,10 +7249,48 @@
           </p:txBody>
         </p:sp>
       </p:grpSp>
+      <p:sp>
+        <p:nvSpPr>
+          <p:cNvPr id="4" name="TextBox 3"/>
+          <p:cNvSpPr txBox="1"/>
+          <p:nvPr/>
+        </p:nvSpPr>
+        <p:spPr>
+          <a:xfrm>
+            <a:off x="5149078" y="2313751"/>
+            <a:ext cx="1870833" cy="584775"/>
+          </a:xfrm>
+          <a:prstGeom prst="rect">
+            <a:avLst/>
+          </a:prstGeom>
+          <a:noFill/>
+        </p:spPr>
+        <p:txBody>
+          <a:bodyPr wrap="none" rtlCol="0">
+            <a:spAutoFit/>
+          </a:bodyPr>
+          <a:lstStyle/>
+          <a:p>
+            <a:r>
+              <a:rPr lang="en-US" sz="3200" b="1" dirty="0" smtClean="0">
+                <a:solidFill>
+                  <a:srgbClr val="FF0000"/>
+                </a:solidFill>
+              </a:rPr>
+              <a:t>OLD DATA</a:t>
+            </a:r>
+            <a:endParaRPr lang="en-US" sz="3200" b="1" dirty="0">
+              <a:solidFill>
+                <a:srgbClr val="FF0000"/>
+              </a:solidFill>
+            </a:endParaRPr>
+          </a:p>
+        </p:txBody>
+      </p:sp>
     </p:spTree>
     <p:extLst>
       <p:ext uri="{BB962C8B-B14F-4D97-AF65-F5344CB8AC3E}">
-        <p14:creationId xmlns:p14="http://schemas.microsoft.com/office/powerpoint/2010/main" val="1393546526"/>
+        <p14:creationId xmlns:p14="http://schemas.microsoft.com/office/powerpoint/2010/main" val="1504071635"/>
       </p:ext>
     </p:extLst>
   </p:cSld>
@@ -6895,7 +7319,7 @@
 </p:sld>
 </file>
 
-<file path=ppt/slides/slide2.xml><?xml version="1.0" encoding="utf-8"?>
+<file path=ppt/slides/slide4.xml><?xml version="1.0" encoding="utf-8"?>
 <p:sld xmlns:a="http://schemas.openxmlformats.org/drawingml/2006/main" xmlns:r="http://schemas.openxmlformats.org/officeDocument/2006/relationships" xmlns:p="http://schemas.openxmlformats.org/presentationml/2006/main">
   <p:cSld>
     <p:spTree>
@@ -6917,7 +7341,7 @@
           <p:cNvPr id="147" name="Group 146">
             <a:extLst>
               <a:ext uri="{FF2B5EF4-FFF2-40B4-BE49-F238E27FC236}">
-                <a16:creationId xmlns="" xmlns:a16="http://schemas.microsoft.com/office/drawing/2014/main" id="{709C87B8-071F-42C2-A8DE-A6051E84C197}"/>
+                <a16:creationId xmlns:a16="http://schemas.microsoft.com/office/drawing/2014/main" xmlns="" id="{709C87B8-071F-42C2-A8DE-A6051E84C197}"/>
               </a:ext>
             </a:extLst>
           </p:cNvPr>
@@ -6937,7 +7361,7 @@
             <p:cNvPr id="148" name="Group 147">
               <a:extLst>
                 <a:ext uri="{FF2B5EF4-FFF2-40B4-BE49-F238E27FC236}">
-                  <a16:creationId xmlns="" xmlns:a16="http://schemas.microsoft.com/office/drawing/2014/main" id="{026999E9-F9F8-4E8A-AB5E-C475BCC958D9}"/>
+                  <a16:creationId xmlns:a16="http://schemas.microsoft.com/office/drawing/2014/main" xmlns="" id="{026999E9-F9F8-4E8A-AB5E-C475BCC958D9}"/>
                 </a:ext>
               </a:extLst>
             </p:cNvPr>
@@ -7418,7 +7842,7 @@
               <p:cNvPr id="151" name="TextBox 150">
                 <a:extLst>
                   <a:ext uri="{FF2B5EF4-FFF2-40B4-BE49-F238E27FC236}">
-                    <a16:creationId xmlns="" xmlns:a16="http://schemas.microsoft.com/office/drawing/2014/main" id="{8C8A0BB9-1357-4728-9CE7-3CE202F53E59}"/>
+                    <a16:creationId xmlns:a16="http://schemas.microsoft.com/office/drawing/2014/main" xmlns="" id="{8C8A0BB9-1357-4728-9CE7-3CE202F53E59}"/>
                   </a:ext>
                 </a:extLst>
               </p:cNvPr>
@@ -7459,7 +7883,7 @@
             <p:cNvPr id="149" name="TextBox 148">
               <a:extLst>
                 <a:ext uri="{FF2B5EF4-FFF2-40B4-BE49-F238E27FC236}">
-                  <a16:creationId xmlns="" xmlns:a16="http://schemas.microsoft.com/office/drawing/2014/main" id="{D623C965-D1FD-4C88-8FD5-732CFAFE6BFD}"/>
+                  <a16:creationId xmlns:a16="http://schemas.microsoft.com/office/drawing/2014/main" xmlns="" id="{D623C965-D1FD-4C88-8FD5-732CFAFE6BFD}"/>
                 </a:ext>
               </a:extLst>
             </p:cNvPr>
@@ -7504,7 +7928,7 @@
           <p:cNvPr id="164" name="Group 163">
             <a:extLst>
               <a:ext uri="{FF2B5EF4-FFF2-40B4-BE49-F238E27FC236}">
-                <a16:creationId xmlns="" xmlns:a16="http://schemas.microsoft.com/office/drawing/2014/main" id="{1378DE23-7D62-478B-95BE-FF73F0228F81}"/>
+                <a16:creationId xmlns:a16="http://schemas.microsoft.com/office/drawing/2014/main" xmlns="" id="{1378DE23-7D62-478B-95BE-FF73F0228F81}"/>
               </a:ext>
             </a:extLst>
           </p:cNvPr>
@@ -7877,7 +8301,7 @@
             <p:cNvPr id="166" name="TextBox 165">
               <a:extLst>
                 <a:ext uri="{FF2B5EF4-FFF2-40B4-BE49-F238E27FC236}">
-                  <a16:creationId xmlns="" xmlns:a16="http://schemas.microsoft.com/office/drawing/2014/main" id="{7472ED37-5D8A-4600-8965-599DD324EE41}"/>
+                  <a16:creationId xmlns:a16="http://schemas.microsoft.com/office/drawing/2014/main" xmlns="" id="{7472ED37-5D8A-4600-8965-599DD324EE41}"/>
                 </a:ext>
               </a:extLst>
             </p:cNvPr>
@@ -7922,7 +8346,7 @@
           <p:cNvPr id="175" name="Group 174">
             <a:extLst>
               <a:ext uri="{FF2B5EF4-FFF2-40B4-BE49-F238E27FC236}">
-                <a16:creationId xmlns="" xmlns:a16="http://schemas.microsoft.com/office/drawing/2014/main" id="{74B26ABE-DB48-4D22-8605-448C2C9BB469}"/>
+                <a16:creationId xmlns:a16="http://schemas.microsoft.com/office/drawing/2014/main" xmlns="" id="{74B26ABE-DB48-4D22-8605-448C2C9BB469}"/>
               </a:ext>
             </a:extLst>
           </p:cNvPr>
@@ -7942,7 +8366,7 @@
             <p:cNvPr id="176" name="Group 175">
               <a:extLst>
                 <a:ext uri="{FF2B5EF4-FFF2-40B4-BE49-F238E27FC236}">
-                  <a16:creationId xmlns="" xmlns:a16="http://schemas.microsoft.com/office/drawing/2014/main" id="{882FBE51-C2A6-41EB-ACE8-745B20AA2BA5}"/>
+                  <a16:creationId xmlns:a16="http://schemas.microsoft.com/office/drawing/2014/main" xmlns="" id="{882FBE51-C2A6-41EB-ACE8-745B20AA2BA5}"/>
                 </a:ext>
               </a:extLst>
             </p:cNvPr>
@@ -8397,7 +8821,7 @@
               <p:cNvPr id="179" name="TextBox 178">
                 <a:extLst>
                   <a:ext uri="{FF2B5EF4-FFF2-40B4-BE49-F238E27FC236}">
-                    <a16:creationId xmlns="" xmlns:a16="http://schemas.microsoft.com/office/drawing/2014/main" id="{C3908C2E-2C90-4F2E-A289-A4C95B6B9AAE}"/>
+                    <a16:creationId xmlns:a16="http://schemas.microsoft.com/office/drawing/2014/main" xmlns="" id="{C3908C2E-2C90-4F2E-A289-A4C95B6B9AAE}"/>
                   </a:ext>
                 </a:extLst>
               </p:cNvPr>
@@ -8442,7 +8866,7 @@
             <p:cNvPr id="177" name="TextBox 176">
               <a:extLst>
                 <a:ext uri="{FF2B5EF4-FFF2-40B4-BE49-F238E27FC236}">
-                  <a16:creationId xmlns="" xmlns:a16="http://schemas.microsoft.com/office/drawing/2014/main" id="{EC5C7B60-870A-4939-AA11-8153EC33E6FE}"/>
+                  <a16:creationId xmlns:a16="http://schemas.microsoft.com/office/drawing/2014/main" xmlns="" id="{EC5C7B60-870A-4939-AA11-8153EC33E6FE}"/>
                 </a:ext>
               </a:extLst>
             </p:cNvPr>
@@ -8487,7 +8911,7 @@
           <p:cNvPr id="191" name="Group 190">
             <a:extLst>
               <a:ext uri="{FF2B5EF4-FFF2-40B4-BE49-F238E27FC236}">
-                <a16:creationId xmlns="" xmlns:a16="http://schemas.microsoft.com/office/drawing/2014/main" id="{7E8B3428-E8FD-4A97-AD4A-DB1DC838EEC4}"/>
+                <a16:creationId xmlns:a16="http://schemas.microsoft.com/office/drawing/2014/main" xmlns="" id="{7E8B3428-E8FD-4A97-AD4A-DB1DC838EEC4}"/>
               </a:ext>
             </a:extLst>
           </p:cNvPr>
@@ -8507,7 +8931,7 @@
             <p:cNvPr id="192" name="Group 191">
               <a:extLst>
                 <a:ext uri="{FF2B5EF4-FFF2-40B4-BE49-F238E27FC236}">
-                  <a16:creationId xmlns="" xmlns:a16="http://schemas.microsoft.com/office/drawing/2014/main" id="{38A24F48-A60F-4057-8B81-29F7C7B2F779}"/>
+                  <a16:creationId xmlns:a16="http://schemas.microsoft.com/office/drawing/2014/main" xmlns="" id="{38A24F48-A60F-4057-8B81-29F7C7B2F779}"/>
                 </a:ext>
               </a:extLst>
             </p:cNvPr>
@@ -8933,7 +9357,7 @@
               <p:cNvPr id="195" name="TextBox 194">
                 <a:extLst>
                   <a:ext uri="{FF2B5EF4-FFF2-40B4-BE49-F238E27FC236}">
-                    <a16:creationId xmlns="" xmlns:a16="http://schemas.microsoft.com/office/drawing/2014/main" id="{7327F190-3648-457A-A36D-AE45D82F81C0}"/>
+                    <a16:creationId xmlns:a16="http://schemas.microsoft.com/office/drawing/2014/main" xmlns="" id="{7327F190-3648-457A-A36D-AE45D82F81C0}"/>
                   </a:ext>
                 </a:extLst>
               </p:cNvPr>
@@ -8974,7 +9398,7 @@
             <p:cNvPr id="193" name="TextBox 192">
               <a:extLst>
                 <a:ext uri="{FF2B5EF4-FFF2-40B4-BE49-F238E27FC236}">
-                  <a16:creationId xmlns="" xmlns:a16="http://schemas.microsoft.com/office/drawing/2014/main" id="{1C557B58-0D37-4554-ACA8-7C203D39099B}"/>
+                  <a16:creationId xmlns:a16="http://schemas.microsoft.com/office/drawing/2014/main" xmlns="" id="{1C557B58-0D37-4554-ACA8-7C203D39099B}"/>
                 </a:ext>
               </a:extLst>
             </p:cNvPr>
@@ -9019,7 +9443,7 @@
           <p:cNvPr id="98" name="Group 97">
             <a:extLst>
               <a:ext uri="{FF2B5EF4-FFF2-40B4-BE49-F238E27FC236}">
-                <a16:creationId xmlns="" xmlns:a16="http://schemas.microsoft.com/office/drawing/2014/main" id="{E5336EE1-F72C-42F3-A99C-BE09D41EDB9C}"/>
+                <a16:creationId xmlns:a16="http://schemas.microsoft.com/office/drawing/2014/main" xmlns="" id="{E5336EE1-F72C-42F3-A99C-BE09D41EDB9C}"/>
               </a:ext>
             </a:extLst>
           </p:cNvPr>
@@ -9039,7 +9463,7 @@
             <p:cNvPr id="99" name="Group 98">
               <a:extLst>
                 <a:ext uri="{FF2B5EF4-FFF2-40B4-BE49-F238E27FC236}">
-                  <a16:creationId xmlns="" xmlns:a16="http://schemas.microsoft.com/office/drawing/2014/main" id="{DA6BEE02-34B8-4E94-88FA-4E084F83BD43}"/>
+                  <a16:creationId xmlns:a16="http://schemas.microsoft.com/office/drawing/2014/main" xmlns="" id="{DA6BEE02-34B8-4E94-88FA-4E084F83BD43}"/>
                 </a:ext>
               </a:extLst>
             </p:cNvPr>
@@ -9059,7 +9483,7 @@
               <p:cNvPr id="102" name="Oval 101">
                 <a:extLst>
                   <a:ext uri="{FF2B5EF4-FFF2-40B4-BE49-F238E27FC236}">
-                    <a16:creationId xmlns="" xmlns:a16="http://schemas.microsoft.com/office/drawing/2014/main" id="{AA46D433-78B8-4FA2-AC49-23EF9963D6FD}"/>
+                    <a16:creationId xmlns:a16="http://schemas.microsoft.com/office/drawing/2014/main" xmlns="" id="{AA46D433-78B8-4FA2-AC49-23EF9963D6FD}"/>
                   </a:ext>
                 </a:extLst>
               </p:cNvPr>
@@ -9116,7 +9540,7 @@
               <p:cNvPr id="103" name="Oval 102">
                 <a:extLst>
                   <a:ext uri="{FF2B5EF4-FFF2-40B4-BE49-F238E27FC236}">
-                    <a16:creationId xmlns="" xmlns:a16="http://schemas.microsoft.com/office/drawing/2014/main" id="{942893DB-3A2A-4441-9E4F-0D1FB4D67DFF}"/>
+                    <a16:creationId xmlns:a16="http://schemas.microsoft.com/office/drawing/2014/main" xmlns="" id="{942893DB-3A2A-4441-9E4F-0D1FB4D67DFF}"/>
                   </a:ext>
                 </a:extLst>
               </p:cNvPr>
@@ -9173,7 +9597,7 @@
               <p:cNvPr id="104" name="Oval 103">
                 <a:extLst>
                   <a:ext uri="{FF2B5EF4-FFF2-40B4-BE49-F238E27FC236}">
-                    <a16:creationId xmlns="" xmlns:a16="http://schemas.microsoft.com/office/drawing/2014/main" id="{61D7BD8E-8BD1-46D0-90CB-79BC639E68C1}"/>
+                    <a16:creationId xmlns:a16="http://schemas.microsoft.com/office/drawing/2014/main" xmlns="" id="{61D7BD8E-8BD1-46D0-90CB-79BC639E68C1}"/>
                   </a:ext>
                 </a:extLst>
               </p:cNvPr>
@@ -9231,7 +9655,7 @@
               <p:cNvPr id="105" name="Oval 104">
                 <a:extLst>
                   <a:ext uri="{FF2B5EF4-FFF2-40B4-BE49-F238E27FC236}">
-                    <a16:creationId xmlns="" xmlns:a16="http://schemas.microsoft.com/office/drawing/2014/main" id="{EC157B00-ADC1-462E-89ED-43675A451350}"/>
+                    <a16:creationId xmlns:a16="http://schemas.microsoft.com/office/drawing/2014/main" xmlns="" id="{EC157B00-ADC1-462E-89ED-43675A451350}"/>
                   </a:ext>
                 </a:extLst>
               </p:cNvPr>
@@ -9293,7 +9717,7 @@
             <p:cNvPr id="100" name="TextBox 99">
               <a:extLst>
                 <a:ext uri="{FF2B5EF4-FFF2-40B4-BE49-F238E27FC236}">
-                  <a16:creationId xmlns="" xmlns:a16="http://schemas.microsoft.com/office/drawing/2014/main" id="{B88448C8-D2A6-49B1-B1FD-3D31B70D6110}"/>
+                  <a16:creationId xmlns:a16="http://schemas.microsoft.com/office/drawing/2014/main" xmlns="" id="{B88448C8-D2A6-49B1-B1FD-3D31B70D6110}"/>
                 </a:ext>
               </a:extLst>
             </p:cNvPr>
@@ -9370,7 +9794,7 @@
             <p:cNvPr id="101" name="TextBox 100">
               <a:extLst>
                 <a:ext uri="{FF2B5EF4-FFF2-40B4-BE49-F238E27FC236}">
-                  <a16:creationId xmlns="" xmlns:a16="http://schemas.microsoft.com/office/drawing/2014/main" id="{9D4CDA77-EACB-4F55-A96F-C0829D4AD59E}"/>
+                  <a16:creationId xmlns:a16="http://schemas.microsoft.com/office/drawing/2014/main" xmlns="" id="{9D4CDA77-EACB-4F55-A96F-C0829D4AD59E}"/>
                 </a:ext>
               </a:extLst>
             </p:cNvPr>
@@ -9440,6 +9864,44 @@
           </a:prstGeom>
         </p:spPr>
       </p:pic>
+      <p:sp>
+        <p:nvSpPr>
+          <p:cNvPr id="70" name="TextBox 69"/>
+          <p:cNvSpPr txBox="1"/>
+          <p:nvPr/>
+        </p:nvSpPr>
+        <p:spPr>
+          <a:xfrm>
+            <a:off x="5149078" y="2313751"/>
+            <a:ext cx="1870833" cy="584775"/>
+          </a:xfrm>
+          <a:prstGeom prst="rect">
+            <a:avLst/>
+          </a:prstGeom>
+          <a:noFill/>
+        </p:spPr>
+        <p:txBody>
+          <a:bodyPr wrap="none" rtlCol="0">
+            <a:spAutoFit/>
+          </a:bodyPr>
+          <a:lstStyle/>
+          <a:p>
+            <a:r>
+              <a:rPr lang="en-US" sz="3200" b="1" dirty="0" smtClean="0">
+                <a:solidFill>
+                  <a:srgbClr val="FF0000"/>
+                </a:solidFill>
+              </a:rPr>
+              <a:t>OLD DATA</a:t>
+            </a:r>
+            <a:endParaRPr lang="en-US" sz="3200" b="1" dirty="0">
+              <a:solidFill>
+                <a:srgbClr val="FF0000"/>
+              </a:solidFill>
+            </a:endParaRPr>
+          </a:p>
+        </p:txBody>
+      </p:sp>
     </p:spTree>
     <p:extLst>
       <p:ext uri="{BB962C8B-B14F-4D97-AF65-F5344CB8AC3E}">
